--- a/Basic Mechanics.pptx
+++ b/Basic Mechanics.pptx
@@ -10,12 +10,16 @@
     <p:sldId id="258" r:id="rId4"/>
     <p:sldId id="266" r:id="rId5"/>
     <p:sldId id="259" r:id="rId6"/>
-    <p:sldId id="260" r:id="rId7"/>
-    <p:sldId id="261" r:id="rId8"/>
-    <p:sldId id="262" r:id="rId9"/>
-    <p:sldId id="263" r:id="rId10"/>
-    <p:sldId id="264" r:id="rId11"/>
-    <p:sldId id="265" r:id="rId12"/>
+    <p:sldId id="268" r:id="rId7"/>
+    <p:sldId id="260" r:id="rId8"/>
+    <p:sldId id="261" r:id="rId9"/>
+    <p:sldId id="270" r:id="rId10"/>
+    <p:sldId id="262" r:id="rId11"/>
+    <p:sldId id="271" r:id="rId12"/>
+    <p:sldId id="263" r:id="rId13"/>
+    <p:sldId id="272" r:id="rId14"/>
+    <p:sldId id="264" r:id="rId15"/>
+    <p:sldId id="265" r:id="rId16"/>
   </p:sldIdLst>
   <p:sldSz cx="12192000" cy="6858000"/>
   <p:notesSz cx="6858000" cy="9144000"/>
@@ -114,6 +118,11 @@
       </a:defRPr>
     </a:lvl9pPr>
   </p:defaultTextStyle>
+  <p:extLst>
+    <p:ext uri="{EFAFB233-063F-42B5-8137-9DF3F51BA10A}">
+      <p15:sldGuideLst xmlns:p15="http://schemas.microsoft.com/office/powerpoint/2012/main"/>
+    </p:ext>
+  </p:extLst>
 </p:presentation>
 </file>
 
@@ -346,7 +355,7 @@
           <a:p>
             <a:fld id="{771341F9-E8CC-4872-9EDA-DCA6885EEDDA}" type="datetimeFigureOut">
               <a:rPr lang="en-US" smtClean="0"/>
-              <a:t>2/27/2020</a:t>
+              <a:t>2/28/2020</a:t>
             </a:fld>
             <a:endParaRPr lang="en-US"/>
           </a:p>
@@ -414,13 +423,13 @@
   <p:clrMapOvr>
     <a:overrideClrMapping bg1="dk1" tx1="lt1" bg2="dk2" tx2="lt2" accent1="accent1" accent2="accent2" accent3="accent3" accent4="accent4" accent5="accent5" accent6="accent6" hlink="hlink" folHlink="folHlink"/>
   </p:clrMapOvr>
-  <mc:AlternateContent xmlns:mc="http://schemas.openxmlformats.org/markup-compatibility/2006">
-    <mc:Choice xmlns:p14="http://schemas.microsoft.com/office/powerpoint/2010/main" Requires="p14">
+  <mc:AlternateContent xmlns:mc="http://schemas.openxmlformats.org/markup-compatibility/2006" xmlns:p14="http://schemas.microsoft.com/office/powerpoint/2010/main">
+    <mc:Choice Requires="p14">
       <p:transition spd="med" p14:dur="700">
         <p:fade/>
       </p:transition>
     </mc:Choice>
-    <mc:Fallback>
+    <mc:Fallback xmlns="">
       <p:transition spd="med">
         <p:fade/>
       </p:transition>
@@ -692,7 +701,7 @@
           <a:p>
             <a:fld id="{771341F9-E8CC-4872-9EDA-DCA6885EEDDA}" type="datetimeFigureOut">
               <a:rPr lang="en-US" smtClean="0"/>
-              <a:t>2/27/2020</a:t>
+              <a:t>2/28/2020</a:t>
             </a:fld>
             <a:endParaRPr lang="en-US"/>
           </a:p>
@@ -750,13 +759,13 @@
   <p:clrMapOvr>
     <a:masterClrMapping/>
   </p:clrMapOvr>
-  <mc:AlternateContent xmlns:mc="http://schemas.openxmlformats.org/markup-compatibility/2006">
-    <mc:Choice xmlns:p14="http://schemas.microsoft.com/office/powerpoint/2010/main" Requires="p14">
+  <mc:AlternateContent xmlns:mc="http://schemas.openxmlformats.org/markup-compatibility/2006" xmlns:p14="http://schemas.microsoft.com/office/powerpoint/2010/main">
+    <mc:Choice Requires="p14">
       <p:transition spd="med" p14:dur="700">
         <p:fade/>
       </p:transition>
     </mc:Choice>
-    <mc:Fallback>
+    <mc:Fallback xmlns="">
       <p:transition spd="med">
         <p:fade/>
       </p:transition>
@@ -982,7 +991,7 @@
           <a:p>
             <a:fld id="{771341F9-E8CC-4872-9EDA-DCA6885EEDDA}" type="datetimeFigureOut">
               <a:rPr lang="en-US" smtClean="0"/>
-              <a:t>2/27/2020</a:t>
+              <a:t>2/28/2020</a:t>
             </a:fld>
             <a:endParaRPr lang="en-US"/>
           </a:p>
@@ -1040,13 +1049,13 @@
   <p:clrMapOvr>
     <a:masterClrMapping/>
   </p:clrMapOvr>
-  <mc:AlternateContent xmlns:mc="http://schemas.openxmlformats.org/markup-compatibility/2006">
-    <mc:Choice xmlns:p14="http://schemas.microsoft.com/office/powerpoint/2010/main" Requires="p14">
+  <mc:AlternateContent xmlns:mc="http://schemas.openxmlformats.org/markup-compatibility/2006" xmlns:p14="http://schemas.microsoft.com/office/powerpoint/2010/main">
+    <mc:Choice Requires="p14">
       <p:transition spd="med" p14:dur="700">
         <p:fade/>
       </p:transition>
     </mc:Choice>
-    <mc:Fallback>
+    <mc:Fallback xmlns="">
       <p:transition spd="med">
         <p:fade/>
       </p:transition>
@@ -1562,7 +1571,7 @@
           <a:p>
             <a:fld id="{771341F9-E8CC-4872-9EDA-DCA6885EEDDA}" type="datetimeFigureOut">
               <a:rPr lang="en-US" smtClean="0"/>
-              <a:t>2/27/2020</a:t>
+              <a:t>2/28/2020</a:t>
             </a:fld>
             <a:endParaRPr lang="en-US"/>
           </a:p>
@@ -1620,13 +1629,13 @@
   <p:clrMapOvr>
     <a:masterClrMapping/>
   </p:clrMapOvr>
-  <mc:AlternateContent xmlns:mc="http://schemas.openxmlformats.org/markup-compatibility/2006">
-    <mc:Choice xmlns:p14="http://schemas.microsoft.com/office/powerpoint/2010/main" Requires="p14">
+  <mc:AlternateContent xmlns:mc="http://schemas.openxmlformats.org/markup-compatibility/2006" xmlns:p14="http://schemas.microsoft.com/office/powerpoint/2010/main">
+    <mc:Choice Requires="p14">
       <p:transition spd="med" p14:dur="700">
         <p:fade/>
       </p:transition>
     </mc:Choice>
-    <mc:Fallback>
+    <mc:Fallback xmlns="">
       <p:transition spd="med">
         <p:fade/>
       </p:transition>
@@ -1852,7 +1861,7 @@
           <a:p>
             <a:fld id="{771341F9-E8CC-4872-9EDA-DCA6885EEDDA}" type="datetimeFigureOut">
               <a:rPr lang="en-US" smtClean="0"/>
-              <a:t>2/27/2020</a:t>
+              <a:t>2/28/2020</a:t>
             </a:fld>
             <a:endParaRPr lang="en-US"/>
           </a:p>
@@ -1910,13 +1919,13 @@
   <p:clrMapOvr>
     <a:masterClrMapping/>
   </p:clrMapOvr>
-  <mc:AlternateContent xmlns:mc="http://schemas.openxmlformats.org/markup-compatibility/2006">
-    <mc:Choice xmlns:p14="http://schemas.microsoft.com/office/powerpoint/2010/main" Requires="p14">
+  <mc:AlternateContent xmlns:mc="http://schemas.openxmlformats.org/markup-compatibility/2006" xmlns:p14="http://schemas.microsoft.com/office/powerpoint/2010/main">
+    <mc:Choice Requires="p14">
       <p:transition spd="med" p14:dur="700">
         <p:fade/>
       </p:transition>
     </mc:Choice>
-    <mc:Fallback>
+    <mc:Fallback xmlns="">
       <p:transition spd="med">
         <p:fade/>
       </p:transition>
@@ -2426,7 +2435,7 @@
           <a:p>
             <a:fld id="{771341F9-E8CC-4872-9EDA-DCA6885EEDDA}" type="datetimeFigureOut">
               <a:rPr lang="en-US" smtClean="0"/>
-              <a:t>2/27/2020</a:t>
+              <a:t>2/28/2020</a:t>
             </a:fld>
             <a:endParaRPr lang="en-US"/>
           </a:p>
@@ -2484,13 +2493,13 @@
   <p:clrMapOvr>
     <a:masterClrMapping/>
   </p:clrMapOvr>
-  <mc:AlternateContent xmlns:mc="http://schemas.openxmlformats.org/markup-compatibility/2006">
-    <mc:Choice xmlns:p14="http://schemas.microsoft.com/office/powerpoint/2010/main" Requires="p14">
+  <mc:AlternateContent xmlns:mc="http://schemas.openxmlformats.org/markup-compatibility/2006" xmlns:p14="http://schemas.microsoft.com/office/powerpoint/2010/main">
+    <mc:Choice Requires="p14">
       <p:transition spd="med" p14:dur="700">
         <p:fade/>
       </p:transition>
     </mc:Choice>
-    <mc:Fallback>
+    <mc:Fallback xmlns="">
       <p:transition spd="med">
         <p:fade/>
       </p:transition>
@@ -2765,7 +2774,7 @@
           <a:p>
             <a:fld id="{771341F9-E8CC-4872-9EDA-DCA6885EEDDA}" type="datetimeFigureOut">
               <a:rPr lang="en-US" smtClean="0"/>
-              <a:t>2/27/2020</a:t>
+              <a:t>2/28/2020</a:t>
             </a:fld>
             <a:endParaRPr lang="en-US"/>
           </a:p>
@@ -2823,13 +2832,13 @@
   <p:clrMapOvr>
     <a:masterClrMapping/>
   </p:clrMapOvr>
-  <mc:AlternateContent xmlns:mc="http://schemas.openxmlformats.org/markup-compatibility/2006">
-    <mc:Choice xmlns:p14="http://schemas.microsoft.com/office/powerpoint/2010/main" Requires="p14">
+  <mc:AlternateContent xmlns:mc="http://schemas.openxmlformats.org/markup-compatibility/2006" xmlns:p14="http://schemas.microsoft.com/office/powerpoint/2010/main">
+    <mc:Choice Requires="p14">
       <p:transition spd="med" p14:dur="700">
         <p:fade/>
       </p:transition>
     </mc:Choice>
-    <mc:Fallback>
+    <mc:Fallback xmlns="">
       <p:transition spd="med">
         <p:fade/>
       </p:transition>
@@ -2954,7 +2963,7 @@
           <a:p>
             <a:fld id="{771341F9-E8CC-4872-9EDA-DCA6885EEDDA}" type="datetimeFigureOut">
               <a:rPr lang="en-US" smtClean="0"/>
-              <a:t>2/27/2020</a:t>
+              <a:t>2/28/2020</a:t>
             </a:fld>
             <a:endParaRPr lang="en-US"/>
           </a:p>
@@ -3040,13 +3049,13 @@
   <p:clrMapOvr>
     <a:masterClrMapping/>
   </p:clrMapOvr>
-  <mc:AlternateContent xmlns:mc="http://schemas.openxmlformats.org/markup-compatibility/2006">
-    <mc:Choice xmlns:p14="http://schemas.microsoft.com/office/powerpoint/2010/main" Requires="p14">
+  <mc:AlternateContent xmlns:mc="http://schemas.openxmlformats.org/markup-compatibility/2006" xmlns:p14="http://schemas.microsoft.com/office/powerpoint/2010/main">
+    <mc:Choice Requires="p14">
       <p:transition spd="med" p14:dur="700">
         <p:fade/>
       </p:transition>
     </mc:Choice>
-    <mc:Fallback>
+    <mc:Fallback xmlns="">
       <p:transition spd="med">
         <p:fade/>
       </p:transition>
@@ -3204,7 +3213,7 @@
           <a:p>
             <a:fld id="{771341F9-E8CC-4872-9EDA-DCA6885EEDDA}" type="datetimeFigureOut">
               <a:rPr lang="en-US" smtClean="0"/>
-              <a:t>2/27/2020</a:t>
+              <a:t>2/28/2020</a:t>
             </a:fld>
             <a:endParaRPr lang="en-US"/>
           </a:p>
@@ -3262,13 +3271,13 @@
   <p:clrMapOvr>
     <a:masterClrMapping/>
   </p:clrMapOvr>
-  <mc:AlternateContent xmlns:mc="http://schemas.openxmlformats.org/markup-compatibility/2006">
-    <mc:Choice xmlns:p14="http://schemas.microsoft.com/office/powerpoint/2010/main" Requires="p14">
+  <mc:AlternateContent xmlns:mc="http://schemas.openxmlformats.org/markup-compatibility/2006" xmlns:p14="http://schemas.microsoft.com/office/powerpoint/2010/main">
+    <mc:Choice Requires="p14">
       <p:transition spd="med" p14:dur="700">
         <p:fade/>
       </p:transition>
     </mc:Choice>
-    <mc:Fallback>
+    <mc:Fallback xmlns="">
       <p:transition spd="med">
         <p:fade/>
       </p:transition>
@@ -3416,7 +3425,7 @@
           <a:p>
             <a:fld id="{771341F9-E8CC-4872-9EDA-DCA6885EEDDA}" type="datetimeFigureOut">
               <a:rPr lang="en-US" smtClean="0"/>
-              <a:t>2/27/2020</a:t>
+              <a:t>2/28/2020</a:t>
             </a:fld>
             <a:endParaRPr lang="en-US"/>
           </a:p>
@@ -3474,13 +3483,13 @@
   <p:clrMapOvr>
     <a:masterClrMapping/>
   </p:clrMapOvr>
-  <mc:AlternateContent xmlns:mc="http://schemas.openxmlformats.org/markup-compatibility/2006">
-    <mc:Choice xmlns:p14="http://schemas.microsoft.com/office/powerpoint/2010/main" Requires="p14">
+  <mc:AlternateContent xmlns:mc="http://schemas.openxmlformats.org/markup-compatibility/2006" xmlns:p14="http://schemas.microsoft.com/office/powerpoint/2010/main">
+    <mc:Choice Requires="p14">
       <p:transition spd="med" p14:dur="700">
         <p:fade/>
       </p:transition>
     </mc:Choice>
-    <mc:Fallback>
+    <mc:Fallback xmlns="">
       <p:transition spd="med">
         <p:fade/>
       </p:transition>
@@ -3704,7 +3713,7 @@
           <a:p>
             <a:fld id="{771341F9-E8CC-4872-9EDA-DCA6885EEDDA}" type="datetimeFigureOut">
               <a:rPr lang="en-US" smtClean="0"/>
-              <a:t>2/27/2020</a:t>
+              <a:t>2/28/2020</a:t>
             </a:fld>
             <a:endParaRPr lang="en-US"/>
           </a:p>
@@ -3762,13 +3771,13 @@
   <p:clrMapOvr>
     <a:masterClrMapping/>
   </p:clrMapOvr>
-  <mc:AlternateContent xmlns:mc="http://schemas.openxmlformats.org/markup-compatibility/2006">
-    <mc:Choice xmlns:p14="http://schemas.microsoft.com/office/powerpoint/2010/main" Requires="p14">
+  <mc:AlternateContent xmlns:mc="http://schemas.openxmlformats.org/markup-compatibility/2006" xmlns:p14="http://schemas.microsoft.com/office/powerpoint/2010/main">
+    <mc:Choice Requires="p14">
       <p:transition spd="med" p14:dur="700">
         <p:fade/>
       </p:transition>
     </mc:Choice>
-    <mc:Fallback>
+    <mc:Fallback xmlns="">
       <p:transition spd="med">
         <p:fade/>
       </p:transition>
@@ -3982,7 +3991,7 @@
           <a:p>
             <a:fld id="{771341F9-E8CC-4872-9EDA-DCA6885EEDDA}" type="datetimeFigureOut">
               <a:rPr lang="en-US" smtClean="0"/>
-              <a:t>2/27/2020</a:t>
+              <a:t>2/28/2020</a:t>
             </a:fld>
             <a:endParaRPr lang="en-US"/>
           </a:p>
@@ -4040,13 +4049,13 @@
   <p:clrMapOvr>
     <a:masterClrMapping/>
   </p:clrMapOvr>
-  <mc:AlternateContent xmlns:mc="http://schemas.openxmlformats.org/markup-compatibility/2006">
-    <mc:Choice xmlns:p14="http://schemas.microsoft.com/office/powerpoint/2010/main" Requires="p14">
+  <mc:AlternateContent xmlns:mc="http://schemas.openxmlformats.org/markup-compatibility/2006" xmlns:p14="http://schemas.microsoft.com/office/powerpoint/2010/main">
+    <mc:Choice Requires="p14">
       <p:transition spd="med" p14:dur="700">
         <p:fade/>
       </p:transition>
     </mc:Choice>
-    <mc:Fallback>
+    <mc:Fallback xmlns="">
       <p:transition spd="med">
         <p:fade/>
       </p:transition>
@@ -4368,7 +4377,7 @@
           <a:p>
             <a:fld id="{771341F9-E8CC-4872-9EDA-DCA6885EEDDA}" type="datetimeFigureOut">
               <a:rPr lang="en-US" smtClean="0"/>
-              <a:t>2/27/2020</a:t>
+              <a:t>2/28/2020</a:t>
             </a:fld>
             <a:endParaRPr lang="en-US"/>
           </a:p>
@@ -4426,13 +4435,13 @@
   <p:clrMapOvr>
     <a:masterClrMapping/>
   </p:clrMapOvr>
-  <mc:AlternateContent xmlns:mc="http://schemas.openxmlformats.org/markup-compatibility/2006">
-    <mc:Choice xmlns:p14="http://schemas.microsoft.com/office/powerpoint/2010/main" Requires="p14">
+  <mc:AlternateContent xmlns:mc="http://schemas.openxmlformats.org/markup-compatibility/2006" xmlns:p14="http://schemas.microsoft.com/office/powerpoint/2010/main">
+    <mc:Choice Requires="p14">
       <p:transition spd="med" p14:dur="700">
         <p:fade/>
       </p:transition>
     </mc:Choice>
-    <mc:Fallback>
+    <mc:Fallback xmlns="">
       <p:transition spd="med">
         <p:fade/>
       </p:transition>
@@ -4528,7 +4537,7 @@
           <a:p>
             <a:fld id="{771341F9-E8CC-4872-9EDA-DCA6885EEDDA}" type="datetimeFigureOut">
               <a:rPr lang="en-US" smtClean="0"/>
-              <a:t>2/27/2020</a:t>
+              <a:t>2/28/2020</a:t>
             </a:fld>
             <a:endParaRPr lang="en-US"/>
           </a:p>
@@ -4586,13 +4595,13 @@
   <p:clrMapOvr>
     <a:masterClrMapping/>
   </p:clrMapOvr>
-  <mc:AlternateContent xmlns:mc="http://schemas.openxmlformats.org/markup-compatibility/2006">
-    <mc:Choice xmlns:p14="http://schemas.microsoft.com/office/powerpoint/2010/main" Requires="p14">
+  <mc:AlternateContent xmlns:mc="http://schemas.openxmlformats.org/markup-compatibility/2006" xmlns:p14="http://schemas.microsoft.com/office/powerpoint/2010/main">
+    <mc:Choice Requires="p14">
       <p:transition spd="med" p14:dur="700">
         <p:fade/>
       </p:transition>
     </mc:Choice>
-    <mc:Fallback>
+    <mc:Fallback xmlns="">
       <p:transition spd="med">
         <p:fade/>
       </p:transition>
@@ -4665,7 +4674,7 @@
           <a:p>
             <a:fld id="{771341F9-E8CC-4872-9EDA-DCA6885EEDDA}" type="datetimeFigureOut">
               <a:rPr lang="en-US" smtClean="0"/>
-              <a:t>2/27/2020</a:t>
+              <a:t>2/28/2020</a:t>
             </a:fld>
             <a:endParaRPr lang="en-US"/>
           </a:p>
@@ -4723,13 +4732,13 @@
   <p:clrMapOvr>
     <a:masterClrMapping/>
   </p:clrMapOvr>
-  <mc:AlternateContent xmlns:mc="http://schemas.openxmlformats.org/markup-compatibility/2006">
-    <mc:Choice xmlns:p14="http://schemas.microsoft.com/office/powerpoint/2010/main" Requires="p14">
+  <mc:AlternateContent xmlns:mc="http://schemas.openxmlformats.org/markup-compatibility/2006" xmlns:p14="http://schemas.microsoft.com/office/powerpoint/2010/main">
+    <mc:Choice Requires="p14">
       <p:transition spd="med" p14:dur="700">
         <p:fade/>
       </p:transition>
     </mc:Choice>
-    <mc:Fallback>
+    <mc:Fallback xmlns="">
       <p:transition spd="med">
         <p:fade/>
       </p:transition>
@@ -4962,7 +4971,7 @@
           <a:p>
             <a:fld id="{771341F9-E8CC-4872-9EDA-DCA6885EEDDA}" type="datetimeFigureOut">
               <a:rPr lang="en-US" smtClean="0"/>
-              <a:t>2/27/2020</a:t>
+              <a:t>2/28/2020</a:t>
             </a:fld>
             <a:endParaRPr lang="en-US"/>
           </a:p>
@@ -5020,13 +5029,13 @@
   <p:clrMapOvr>
     <a:masterClrMapping/>
   </p:clrMapOvr>
-  <mc:AlternateContent xmlns:mc="http://schemas.openxmlformats.org/markup-compatibility/2006">
-    <mc:Choice xmlns:p14="http://schemas.microsoft.com/office/powerpoint/2010/main" Requires="p14">
+  <mc:AlternateContent xmlns:mc="http://schemas.openxmlformats.org/markup-compatibility/2006" xmlns:p14="http://schemas.microsoft.com/office/powerpoint/2010/main">
+    <mc:Choice Requires="p14">
       <p:transition spd="med" p14:dur="700">
         <p:fade/>
       </p:transition>
     </mc:Choice>
-    <mc:Fallback>
+    <mc:Fallback xmlns="">
       <p:transition spd="med">
         <p:fade/>
       </p:transition>
@@ -5298,7 +5307,7 @@
           <a:p>
             <a:fld id="{771341F9-E8CC-4872-9EDA-DCA6885EEDDA}" type="datetimeFigureOut">
               <a:rPr lang="en-US" smtClean="0"/>
-              <a:t>2/27/2020</a:t>
+              <a:t>2/28/2020</a:t>
             </a:fld>
             <a:endParaRPr lang="en-US"/>
           </a:p>
@@ -5356,13 +5365,13 @@
   <p:clrMapOvr>
     <a:masterClrMapping/>
   </p:clrMapOvr>
-  <mc:AlternateContent xmlns:mc="http://schemas.openxmlformats.org/markup-compatibility/2006">
-    <mc:Choice xmlns:p14="http://schemas.microsoft.com/office/powerpoint/2010/main" Requires="p14">
+  <mc:AlternateContent xmlns:mc="http://schemas.openxmlformats.org/markup-compatibility/2006" xmlns:p14="http://schemas.microsoft.com/office/powerpoint/2010/main">
+    <mc:Choice Requires="p14">
       <p:transition spd="med" p14:dur="700">
         <p:fade/>
       </p:transition>
     </mc:Choice>
-    <mc:Fallback>
+    <mc:Fallback xmlns="">
       <p:transition spd="med">
         <p:fade/>
       </p:transition>
@@ -5524,7 +5533,7 @@
           <a:p>
             <a:fld id="{771341F9-E8CC-4872-9EDA-DCA6885EEDDA}" type="datetimeFigureOut">
               <a:rPr lang="en-US" smtClean="0"/>
-              <a:t>2/27/2020</a:t>
+              <a:t>2/28/2020</a:t>
             </a:fld>
             <a:endParaRPr lang="en-US"/>
           </a:p>
@@ -5635,13 +5644,13 @@
     <p:sldLayoutId id="2147483676" r:id="rId16"/>
     <p:sldLayoutId id="2147483677" r:id="rId17"/>
   </p:sldLayoutIdLst>
-  <mc:AlternateContent xmlns:mc="http://schemas.openxmlformats.org/markup-compatibility/2006">
-    <mc:Choice xmlns:p14="http://schemas.microsoft.com/office/powerpoint/2010/main" Requires="p14">
+  <mc:AlternateContent xmlns:mc="http://schemas.openxmlformats.org/markup-compatibility/2006" xmlns:p14="http://schemas.microsoft.com/office/powerpoint/2010/main">
+    <mc:Choice Requires="p14">
       <p:transition spd="med" p14:dur="700">
         <p:fade/>
       </p:transition>
     </mc:Choice>
-    <mc:Fallback>
+    <mc:Fallback xmlns="">
       <p:transition spd="med">
         <p:fade/>
       </p:transition>
@@ -8507,13 +8516,13 @@
   <p:clrMapOvr>
     <a:masterClrMapping/>
   </p:clrMapOvr>
-  <mc:AlternateContent xmlns:mc="http://schemas.openxmlformats.org/markup-compatibility/2006">
-    <mc:Choice xmlns:p14="http://schemas.microsoft.com/office/powerpoint/2010/main" Requires="p14">
+  <mc:AlternateContent xmlns:mc="http://schemas.openxmlformats.org/markup-compatibility/2006" xmlns:p14="http://schemas.microsoft.com/office/powerpoint/2010/main">
+    <mc:Choice Requires="p14">
       <p:transition spd="med" p14:dur="700">
         <p:fade/>
       </p:transition>
     </mc:Choice>
-    <mc:Fallback>
+    <mc:Fallback xmlns="">
       <p:transition spd="med">
         <p:fade/>
       </p:transition>
@@ -8523,6 +8532,1001 @@
 </file>
 
 <file path=ppt/slides/slide10.xml><?xml version="1.0" encoding="utf-8"?>
+<p:sld xmlns:a="http://schemas.openxmlformats.org/drawingml/2006/main" xmlns:r="http://schemas.openxmlformats.org/officeDocument/2006/relationships" xmlns:p="http://schemas.openxmlformats.org/presentationml/2006/main">
+  <p:cSld>
+    <p:spTree>
+      <p:nvGrpSpPr>
+        <p:cNvPr id="1" name=""/>
+        <p:cNvGrpSpPr/>
+        <p:nvPr/>
+      </p:nvGrpSpPr>
+      <p:grpSpPr>
+        <a:xfrm>
+          <a:off x="0" y="0"/>
+          <a:ext cx="0" cy="0"/>
+          <a:chOff x="0" y="0"/>
+          <a:chExt cx="0" cy="0"/>
+        </a:xfrm>
+      </p:grpSpPr>
+      <p:sp>
+        <p:nvSpPr>
+          <p:cNvPr id="4" name="TextBox 3">
+            <a:extLst>
+              <a:ext uri="{FF2B5EF4-FFF2-40B4-BE49-F238E27FC236}">
+                <a16:creationId xmlns:a16="http://schemas.microsoft.com/office/drawing/2014/main" id="{2FF6A9ED-5B0E-4B9C-832F-9C607B7F37F0}"/>
+              </a:ext>
+            </a:extLst>
+          </p:cNvPr>
+          <p:cNvSpPr txBox="1"/>
+          <p:nvPr/>
+        </p:nvSpPr>
+        <p:spPr>
+          <a:xfrm>
+            <a:off x="2546350" y="44450"/>
+            <a:ext cx="5168900" cy="707886"/>
+          </a:xfrm>
+          <a:prstGeom prst="rect">
+            <a:avLst/>
+          </a:prstGeom>
+          <a:noFill/>
+        </p:spPr>
+        <p:txBody>
+          <a:bodyPr wrap="square" rtlCol="0">
+            <a:spAutoFit/>
+          </a:bodyPr>
+          <a:lstStyle/>
+          <a:p>
+            <a:r>
+              <a:rPr lang="en-US" sz="4000" dirty="0">
+                <a:latin typeface="Acier BAT Text Noir" panose="02000000000000000000" pitchFamily="50" charset="0"/>
+              </a:rPr>
+              <a:t>Mini Boss – Third Key</a:t>
+            </a:r>
+          </a:p>
+        </p:txBody>
+      </p:sp>
+      <p:pic>
+        <p:nvPicPr>
+          <p:cNvPr id="6" name="Picture 5" descr="A screenshot of a cell phone&#10;&#10;Description automatically generated">
+            <a:extLst>
+              <a:ext uri="{FF2B5EF4-FFF2-40B4-BE49-F238E27FC236}">
+                <a16:creationId xmlns:a16="http://schemas.microsoft.com/office/drawing/2014/main" id="{EFDEC2DE-E0A7-42C5-9EC0-9CAC0AFE4BAB}"/>
+              </a:ext>
+            </a:extLst>
+          </p:cNvPr>
+          <p:cNvPicPr>
+            <a:picLocks noChangeAspect="1"/>
+          </p:cNvPicPr>
+          <p:nvPr/>
+        </p:nvPicPr>
+        <p:blipFill>
+          <a:blip r:embed="rId2">
+            <a:extLst>
+              <a:ext uri="{28A0092B-C50C-407E-A947-70E740481C1C}">
+                <a14:useLocalDpi xmlns:a14="http://schemas.microsoft.com/office/drawing/2010/main" val="0"/>
+              </a:ext>
+            </a:extLst>
+          </a:blip>
+          <a:stretch>
+            <a:fillRect/>
+          </a:stretch>
+        </p:blipFill>
+        <p:spPr>
+          <a:xfrm>
+            <a:off x="0" y="0"/>
+            <a:ext cx="2328816" cy="6858000"/>
+          </a:xfrm>
+          <a:prstGeom prst="rect">
+            <a:avLst/>
+          </a:prstGeom>
+        </p:spPr>
+      </p:pic>
+      <p:pic>
+        <p:nvPicPr>
+          <p:cNvPr id="5" name="Picture 4" descr="A screenshot of a computer&#10;&#10;Description automatically generated">
+            <a:extLst>
+              <a:ext uri="{FF2B5EF4-FFF2-40B4-BE49-F238E27FC236}">
+                <a16:creationId xmlns:a16="http://schemas.microsoft.com/office/drawing/2014/main" id="{1FAFF4B1-0A60-4E4D-B301-F9F9A1400901}"/>
+              </a:ext>
+            </a:extLst>
+          </p:cNvPr>
+          <p:cNvPicPr>
+            <a:picLocks noChangeAspect="1"/>
+          </p:cNvPicPr>
+          <p:nvPr/>
+        </p:nvPicPr>
+        <p:blipFill>
+          <a:blip r:embed="rId3">
+            <a:extLst>
+              <a:ext uri="{28A0092B-C50C-407E-A947-70E740481C1C}">
+                <a14:useLocalDpi xmlns:a14="http://schemas.microsoft.com/office/drawing/2010/main" val="0"/>
+              </a:ext>
+            </a:extLst>
+          </a:blip>
+          <a:stretch>
+            <a:fillRect/>
+          </a:stretch>
+        </p:blipFill>
+        <p:spPr>
+          <a:xfrm>
+            <a:off x="3398893" y="752336"/>
+            <a:ext cx="5610225" cy="5638800"/>
+          </a:xfrm>
+          <a:prstGeom prst="rect">
+            <a:avLst/>
+          </a:prstGeom>
+          <a:solidFill>
+            <a:srgbClr val="FFFFFF">
+              <a:shade val="85000"/>
+            </a:srgbClr>
+          </a:solidFill>
+          <a:ln w="88900" cap="sq">
+            <a:solidFill>
+              <a:srgbClr val="FFFFFF"/>
+            </a:solidFill>
+            <a:miter lim="800000"/>
+          </a:ln>
+          <a:effectLst>
+            <a:outerShdw blurRad="55000" dist="18000" dir="5400000" algn="tl" rotWithShape="0">
+              <a:srgbClr val="000000">
+                <a:alpha val="40000"/>
+              </a:srgbClr>
+            </a:outerShdw>
+          </a:effectLst>
+          <a:scene3d>
+            <a:camera prst="orthographicFront"/>
+            <a:lightRig rig="twoPt" dir="t">
+              <a:rot lat="0" lon="0" rev="7200000"/>
+            </a:lightRig>
+          </a:scene3d>
+          <a:sp3d>
+            <a:bevelT w="25400" h="19050"/>
+            <a:contourClr>
+              <a:srgbClr val="FFFFFF"/>
+            </a:contourClr>
+          </a:sp3d>
+        </p:spPr>
+      </p:pic>
+      <p:sp>
+        <p:nvSpPr>
+          <p:cNvPr id="7" name="TextBox 6">
+            <a:extLst>
+              <a:ext uri="{FF2B5EF4-FFF2-40B4-BE49-F238E27FC236}">
+                <a16:creationId xmlns:a16="http://schemas.microsoft.com/office/drawing/2014/main" id="{E184E8B3-77E7-4484-BFAA-C0FAEB899E4C}"/>
+              </a:ext>
+            </a:extLst>
+          </p:cNvPr>
+          <p:cNvSpPr txBox="1"/>
+          <p:nvPr/>
+        </p:nvSpPr>
+        <p:spPr>
+          <a:xfrm>
+            <a:off x="8655245" y="3691959"/>
+            <a:ext cx="3244038" cy="1891480"/>
+          </a:xfrm>
+          <a:prstGeom prst="rect">
+            <a:avLst/>
+          </a:prstGeom>
+          <a:noFill/>
+        </p:spPr>
+        <p:txBody>
+          <a:bodyPr wrap="square" rtlCol="0">
+            <a:spAutoFit/>
+          </a:bodyPr>
+          <a:lstStyle/>
+          <a:p>
+            <a:pPr marL="628650" lvl="1" indent="-171450">
+              <a:lnSpc>
+                <a:spcPct val="200000"/>
+              </a:lnSpc>
+              <a:buFont typeface="Arial" panose="020B0604020202020204" pitchFamily="34" charset="0"/>
+              <a:buChar char="•"/>
+            </a:pPr>
+            <a:r>
+              <a:rPr lang="en-US" sz="1000" dirty="0">
+                <a:latin typeface="Trebuchet MS" panose="020B0603020202020204" pitchFamily="34" charset="0"/>
+              </a:rPr>
+              <a:t>Mini Boss. Few basic enemies will spawn from corners of room.</a:t>
+            </a:r>
+          </a:p>
+          <a:p>
+            <a:pPr marL="628650" lvl="1" indent="-171450">
+              <a:lnSpc>
+                <a:spcPct val="200000"/>
+              </a:lnSpc>
+              <a:buFont typeface="Arial" panose="020B0604020202020204" pitchFamily="34" charset="0"/>
+              <a:buChar char="•"/>
+            </a:pPr>
+            <a:r>
+              <a:rPr lang="en-US" sz="1000" dirty="0">
+                <a:latin typeface="Trebuchet MS" panose="020B0603020202020204" pitchFamily="34" charset="0"/>
+              </a:rPr>
+              <a:t>Grapple to the pillars to make a quick escape or dodge enemy fire. </a:t>
+            </a:r>
+          </a:p>
+          <a:p>
+            <a:pPr marL="628650" lvl="1" indent="-171450">
+              <a:lnSpc>
+                <a:spcPct val="200000"/>
+              </a:lnSpc>
+              <a:buFont typeface="Arial" panose="020B0604020202020204" pitchFamily="34" charset="0"/>
+              <a:buChar char="•"/>
+            </a:pPr>
+            <a:r>
+              <a:rPr lang="en-US" sz="1000" dirty="0">
+                <a:latin typeface="Trebuchet MS" panose="020B0603020202020204" pitchFamily="34" charset="0"/>
+              </a:rPr>
+              <a:t>After you defeat the mini boss, the third key will appear. </a:t>
+            </a:r>
+          </a:p>
+        </p:txBody>
+      </p:sp>
+    </p:spTree>
+    <p:extLst>
+      <p:ext uri="{BB962C8B-B14F-4D97-AF65-F5344CB8AC3E}">
+        <p14:creationId xmlns:p14="http://schemas.microsoft.com/office/powerpoint/2010/main" val="718817575"/>
+      </p:ext>
+    </p:extLst>
+  </p:cSld>
+  <p:clrMapOvr>
+    <a:masterClrMapping/>
+  </p:clrMapOvr>
+  <mc:AlternateContent xmlns:mc="http://schemas.openxmlformats.org/markup-compatibility/2006" xmlns:p14="http://schemas.microsoft.com/office/powerpoint/2010/main">
+    <mc:Choice Requires="p14">
+      <p:transition spd="med" p14:dur="700">
+        <p:fade/>
+      </p:transition>
+    </mc:Choice>
+    <mc:Fallback xmlns="">
+      <p:transition spd="med">
+        <p:fade/>
+      </p:transition>
+    </mc:Fallback>
+  </mc:AlternateContent>
+</p:sld>
+</file>
+
+<file path=ppt/slides/slide11.xml><?xml version="1.0" encoding="utf-8"?>
+<p:sld xmlns:a="http://schemas.openxmlformats.org/drawingml/2006/main" xmlns:r="http://schemas.openxmlformats.org/officeDocument/2006/relationships" xmlns:p="http://schemas.openxmlformats.org/presentationml/2006/main">
+  <p:cSld>
+    <p:bg>
+      <p:bgPr>
+        <a:gradFill rotWithShape="1">
+          <a:gsLst>
+            <a:gs pos="0">
+              <a:schemeClr val="bg1">
+                <a:tint val="90000"/>
+                <a:shade val="96000"/>
+                <a:hueMod val="100000"/>
+                <a:satMod val="180000"/>
+                <a:lumMod val="110000"/>
+              </a:schemeClr>
+            </a:gs>
+            <a:gs pos="100000">
+              <a:schemeClr val="bg1">
+                <a:shade val="96000"/>
+                <a:satMod val="160000"/>
+                <a:lumMod val="100000"/>
+              </a:schemeClr>
+            </a:gs>
+          </a:gsLst>
+          <a:lin ang="4740000" scaled="1"/>
+        </a:gradFill>
+        <a:effectLst/>
+      </p:bgPr>
+    </p:bg>
+    <p:spTree>
+      <p:nvGrpSpPr>
+        <p:cNvPr id="1" name=""/>
+        <p:cNvGrpSpPr/>
+        <p:nvPr/>
+      </p:nvGrpSpPr>
+      <p:grpSpPr>
+        <a:xfrm>
+          <a:off x="0" y="0"/>
+          <a:ext cx="0" cy="0"/>
+          <a:chOff x="0" y="0"/>
+          <a:chExt cx="0" cy="0"/>
+        </a:xfrm>
+      </p:grpSpPr>
+      <p:sp useBgFill="1">
+        <p:nvSpPr>
+          <p:cNvPr id="8" name="Rectangle 7">
+            <a:extLst>
+              <a:ext uri="{FF2B5EF4-FFF2-40B4-BE49-F238E27FC236}">
+                <a16:creationId xmlns:a16="http://schemas.microsoft.com/office/drawing/2014/main" id="{E0E174D7-A74C-4845-B4E2-D161F9C68F73}"/>
+              </a:ext>
+              <a:ext uri="{C183D7F6-B498-43B3-948B-1728B52AA6E4}">
+                <adec:decorative xmlns:adec="http://schemas.microsoft.com/office/drawing/2017/decorative" val="1"/>
+              </a:ext>
+            </a:extLst>
+          </p:cNvPr>
+          <p:cNvSpPr>
+            <a:spLocks noGrp="1" noRot="1" noChangeAspect="1" noMove="1" noResize="1" noEditPoints="1" noAdjustHandles="1" noChangeArrowheads="1" noChangeShapeType="1" noTextEdit="1"/>
+          </p:cNvSpPr>
+          <p:nvPr>
+            <p:extLst>
+              <p:ext uri="{386F3935-93C4-4BCD-93E2-E3B085C9AB24}">
+                <p16:designElem xmlns:p16="http://schemas.microsoft.com/office/powerpoint/2015/main" val="1"/>
+              </p:ext>
+            </p:extLst>
+          </p:nvPr>
+        </p:nvSpPr>
+        <p:spPr>
+          <a:xfrm>
+            <a:off x="0" y="0"/>
+            <a:ext cx="12192000" cy="6858000"/>
+          </a:xfrm>
+          <a:prstGeom prst="rect">
+            <a:avLst/>
+          </a:prstGeom>
+          <a:ln>
+            <a:noFill/>
+          </a:ln>
+        </p:spPr>
+        <p:style>
+          <a:lnRef idx="2">
+            <a:schemeClr val="accent1">
+              <a:shade val="50000"/>
+            </a:schemeClr>
+          </a:lnRef>
+          <a:fillRef idx="1">
+            <a:schemeClr val="accent1"/>
+          </a:fillRef>
+          <a:effectRef idx="0">
+            <a:schemeClr val="accent1"/>
+          </a:effectRef>
+          <a:fontRef idx="minor">
+            <a:schemeClr val="lt1"/>
+          </a:fontRef>
+        </p:style>
+        <p:txBody>
+          <a:bodyPr rtlCol="0" anchor="ctr"/>
+          <a:lstStyle/>
+          <a:p>
+            <a:pPr algn="ctr"/>
+            <a:endParaRPr lang="en-US"/>
+          </a:p>
+        </p:txBody>
+      </p:sp>
+      <p:sp>
+        <p:nvSpPr>
+          <p:cNvPr id="10" name="Rectangle 9">
+            <a:extLst>
+              <a:ext uri="{FF2B5EF4-FFF2-40B4-BE49-F238E27FC236}">
+                <a16:creationId xmlns:a16="http://schemas.microsoft.com/office/drawing/2014/main" id="{512F2985-810C-4ABC-9993-5D7821EE76B6}"/>
+              </a:ext>
+              <a:ext uri="{C183D7F6-B498-43B3-948B-1728B52AA6E4}">
+                <adec:decorative xmlns:adec="http://schemas.microsoft.com/office/drawing/2017/decorative" val="1"/>
+              </a:ext>
+            </a:extLst>
+          </p:cNvPr>
+          <p:cNvSpPr>
+            <a:spLocks noGrp="1" noRot="1" noChangeAspect="1" noMove="1" noResize="1" noEditPoints="1" noAdjustHandles="1" noChangeArrowheads="1" noChangeShapeType="1" noTextEdit="1"/>
+          </p:cNvSpPr>
+          <p:nvPr>
+            <p:extLst>
+              <p:ext uri="{386F3935-93C4-4BCD-93E2-E3B085C9AB24}">
+                <p16:designElem xmlns:p16="http://schemas.microsoft.com/office/powerpoint/2015/main" val="1"/>
+              </p:ext>
+            </p:extLst>
+          </p:nvPr>
+        </p:nvSpPr>
+        <p:spPr>
+          <a:xfrm>
+            <a:off x="477012" y="480060"/>
+            <a:ext cx="11237976" cy="5897880"/>
+          </a:xfrm>
+          <a:prstGeom prst="rect">
+            <a:avLst/>
+          </a:prstGeom>
+          <a:solidFill>
+            <a:schemeClr val="tx1"/>
+          </a:solidFill>
+          <a:ln>
+            <a:solidFill>
+              <a:srgbClr val="FFFFFF"/>
+            </a:solidFill>
+          </a:ln>
+        </p:spPr>
+        <p:style>
+          <a:lnRef idx="2">
+            <a:schemeClr val="accent1">
+              <a:shade val="50000"/>
+            </a:schemeClr>
+          </a:lnRef>
+          <a:fillRef idx="1">
+            <a:schemeClr val="accent1"/>
+          </a:fillRef>
+          <a:effectRef idx="0">
+            <a:schemeClr val="accent1"/>
+          </a:effectRef>
+          <a:fontRef idx="minor">
+            <a:schemeClr val="lt1"/>
+          </a:fontRef>
+        </p:style>
+        <p:txBody>
+          <a:bodyPr rtlCol="0" anchor="ctr"/>
+          <a:lstStyle/>
+          <a:p>
+            <a:pPr algn="ctr"/>
+            <a:endParaRPr lang="en-US"/>
+          </a:p>
+        </p:txBody>
+      </p:sp>
+      <p:pic>
+        <p:nvPicPr>
+          <p:cNvPr id="3" name="Picture 2" descr="A picture containing sitting, computer, laptop, woman&#10;&#10;Description automatically generated">
+            <a:extLst>
+              <a:ext uri="{FF2B5EF4-FFF2-40B4-BE49-F238E27FC236}">
+                <a16:creationId xmlns:a16="http://schemas.microsoft.com/office/drawing/2014/main" id="{E843EAB9-E372-4034-B77A-A79FF2CAC9CB}"/>
+              </a:ext>
+            </a:extLst>
+          </p:cNvPr>
+          <p:cNvPicPr>
+            <a:picLocks noChangeAspect="1"/>
+          </p:cNvPicPr>
+          <p:nvPr/>
+        </p:nvPicPr>
+        <p:blipFill>
+          <a:blip r:embed="rId2">
+            <a:extLst>
+              <a:ext uri="{28A0092B-C50C-407E-A947-70E740481C1C}">
+                <a14:useLocalDpi xmlns:a14="http://schemas.microsoft.com/office/drawing/2010/main" val="0"/>
+              </a:ext>
+            </a:extLst>
+          </a:blip>
+          <a:stretch>
+            <a:fillRect/>
+          </a:stretch>
+        </p:blipFill>
+        <p:spPr>
+          <a:xfrm>
+            <a:off x="867726" y="801793"/>
+            <a:ext cx="10456547" cy="5254414"/>
+          </a:xfrm>
+          <a:prstGeom prst="rect">
+            <a:avLst/>
+          </a:prstGeom>
+        </p:spPr>
+      </p:pic>
+    </p:spTree>
+    <p:extLst>
+      <p:ext uri="{BB962C8B-B14F-4D97-AF65-F5344CB8AC3E}">
+        <p14:creationId xmlns:p14="http://schemas.microsoft.com/office/powerpoint/2010/main" val="666065156"/>
+      </p:ext>
+    </p:extLst>
+  </p:cSld>
+  <p:clrMapOvr>
+    <a:masterClrMapping/>
+  </p:clrMapOvr>
+  <mc:AlternateContent xmlns:mc="http://schemas.openxmlformats.org/markup-compatibility/2006" xmlns:p14="http://schemas.microsoft.com/office/powerpoint/2010/main">
+    <mc:Choice Requires="p14">
+      <p:transition spd="med" p14:dur="700">
+        <p:fade/>
+      </p:transition>
+    </mc:Choice>
+    <mc:Fallback xmlns="">
+      <p:transition spd="med">
+        <p:fade/>
+      </p:transition>
+    </mc:Fallback>
+  </mc:AlternateContent>
+</p:sld>
+</file>
+
+<file path=ppt/slides/slide12.xml><?xml version="1.0" encoding="utf-8"?>
+<p:sld xmlns:a="http://schemas.openxmlformats.org/drawingml/2006/main" xmlns:r="http://schemas.openxmlformats.org/officeDocument/2006/relationships" xmlns:p="http://schemas.openxmlformats.org/presentationml/2006/main">
+  <p:cSld>
+    <p:spTree>
+      <p:nvGrpSpPr>
+        <p:cNvPr id="1" name=""/>
+        <p:cNvGrpSpPr/>
+        <p:nvPr/>
+      </p:nvGrpSpPr>
+      <p:grpSpPr>
+        <a:xfrm>
+          <a:off x="0" y="0"/>
+          <a:ext cx="0" cy="0"/>
+          <a:chOff x="0" y="0"/>
+          <a:chExt cx="0" cy="0"/>
+        </a:xfrm>
+      </p:grpSpPr>
+      <p:sp>
+        <p:nvSpPr>
+          <p:cNvPr id="4" name="TextBox 3">
+            <a:extLst>
+              <a:ext uri="{FF2B5EF4-FFF2-40B4-BE49-F238E27FC236}">
+                <a16:creationId xmlns:a16="http://schemas.microsoft.com/office/drawing/2014/main" id="{2FF6A9ED-5B0E-4B9C-832F-9C607B7F37F0}"/>
+              </a:ext>
+            </a:extLst>
+          </p:cNvPr>
+          <p:cNvSpPr txBox="1"/>
+          <p:nvPr/>
+        </p:nvSpPr>
+        <p:spPr>
+          <a:xfrm>
+            <a:off x="2546350" y="44450"/>
+            <a:ext cx="5168900" cy="707886"/>
+          </a:xfrm>
+          <a:prstGeom prst="rect">
+            <a:avLst/>
+          </a:prstGeom>
+          <a:noFill/>
+        </p:spPr>
+        <p:txBody>
+          <a:bodyPr wrap="square" rtlCol="0">
+            <a:spAutoFit/>
+          </a:bodyPr>
+          <a:lstStyle/>
+          <a:p>
+            <a:r>
+              <a:rPr lang="en-US" sz="4000" dirty="0">
+                <a:latin typeface="Acier BAT Text Noir" panose="02000000000000000000" pitchFamily="50" charset="0"/>
+              </a:rPr>
+              <a:t>Fourth Key</a:t>
+            </a:r>
+          </a:p>
+        </p:txBody>
+      </p:sp>
+      <p:pic>
+        <p:nvPicPr>
+          <p:cNvPr id="6" name="Picture 5" descr="A screenshot of a cell phone&#10;&#10;Description automatically generated">
+            <a:extLst>
+              <a:ext uri="{FF2B5EF4-FFF2-40B4-BE49-F238E27FC236}">
+                <a16:creationId xmlns:a16="http://schemas.microsoft.com/office/drawing/2014/main" id="{EFDEC2DE-E0A7-42C5-9EC0-9CAC0AFE4BAB}"/>
+              </a:ext>
+            </a:extLst>
+          </p:cNvPr>
+          <p:cNvPicPr>
+            <a:picLocks noChangeAspect="1"/>
+          </p:cNvPicPr>
+          <p:nvPr/>
+        </p:nvPicPr>
+        <p:blipFill>
+          <a:blip r:embed="rId2">
+            <a:extLst>
+              <a:ext uri="{28A0092B-C50C-407E-A947-70E740481C1C}">
+                <a14:useLocalDpi xmlns:a14="http://schemas.microsoft.com/office/drawing/2010/main" val="0"/>
+              </a:ext>
+            </a:extLst>
+          </a:blip>
+          <a:stretch>
+            <a:fillRect/>
+          </a:stretch>
+        </p:blipFill>
+        <p:spPr>
+          <a:xfrm>
+            <a:off x="0" y="0"/>
+            <a:ext cx="2328816" cy="6858000"/>
+          </a:xfrm>
+          <a:prstGeom prst="rect">
+            <a:avLst/>
+          </a:prstGeom>
+        </p:spPr>
+      </p:pic>
+      <p:pic>
+        <p:nvPicPr>
+          <p:cNvPr id="3" name="Picture 2" descr="A picture containing outdoor, black, light, traffic&#10;&#10;Description automatically generated">
+            <a:extLst>
+              <a:ext uri="{FF2B5EF4-FFF2-40B4-BE49-F238E27FC236}">
+                <a16:creationId xmlns:a16="http://schemas.microsoft.com/office/drawing/2014/main" id="{CFA15240-56F1-45DA-8C08-C251A80E5FA6}"/>
+              </a:ext>
+            </a:extLst>
+          </p:cNvPr>
+          <p:cNvPicPr>
+            <a:picLocks noChangeAspect="1"/>
+          </p:cNvPicPr>
+          <p:nvPr/>
+        </p:nvPicPr>
+        <p:blipFill>
+          <a:blip r:embed="rId3">
+            <a:extLst>
+              <a:ext uri="{28A0092B-C50C-407E-A947-70E740481C1C}">
+                <a14:useLocalDpi xmlns:a14="http://schemas.microsoft.com/office/drawing/2010/main" val="0"/>
+              </a:ext>
+            </a:extLst>
+          </a:blip>
+          <a:stretch>
+            <a:fillRect/>
+          </a:stretch>
+        </p:blipFill>
+        <p:spPr>
+          <a:xfrm>
+            <a:off x="4532421" y="752336"/>
+            <a:ext cx="3820710" cy="5526149"/>
+          </a:xfrm>
+          <a:prstGeom prst="rect">
+            <a:avLst/>
+          </a:prstGeom>
+          <a:solidFill>
+            <a:srgbClr val="FFFFFF">
+              <a:shade val="85000"/>
+            </a:srgbClr>
+          </a:solidFill>
+          <a:ln w="88900" cap="sq">
+            <a:solidFill>
+              <a:srgbClr val="FFFFFF"/>
+            </a:solidFill>
+            <a:miter lim="800000"/>
+          </a:ln>
+          <a:effectLst>
+            <a:outerShdw blurRad="55000" dist="18000" dir="5400000" algn="tl" rotWithShape="0">
+              <a:srgbClr val="000000">
+                <a:alpha val="40000"/>
+              </a:srgbClr>
+            </a:outerShdw>
+          </a:effectLst>
+          <a:scene3d>
+            <a:camera prst="orthographicFront"/>
+            <a:lightRig rig="twoPt" dir="t">
+              <a:rot lat="0" lon="0" rev="7200000"/>
+            </a:lightRig>
+          </a:scene3d>
+          <a:sp3d>
+            <a:bevelT w="25400" h="19050"/>
+            <a:contourClr>
+              <a:srgbClr val="FFFFFF"/>
+            </a:contourClr>
+          </a:sp3d>
+        </p:spPr>
+      </p:pic>
+      <p:sp>
+        <p:nvSpPr>
+          <p:cNvPr id="5" name="TextBox 4">
+            <a:extLst>
+              <a:ext uri="{FF2B5EF4-FFF2-40B4-BE49-F238E27FC236}">
+                <a16:creationId xmlns:a16="http://schemas.microsoft.com/office/drawing/2014/main" id="{FFE76079-F609-40E1-9D3A-4F5211D97B33}"/>
+              </a:ext>
+            </a:extLst>
+          </p:cNvPr>
+          <p:cNvSpPr txBox="1"/>
+          <p:nvPr/>
+        </p:nvSpPr>
+        <p:spPr>
+          <a:xfrm>
+            <a:off x="8353131" y="3325393"/>
+            <a:ext cx="3244038" cy="2507033"/>
+          </a:xfrm>
+          <a:prstGeom prst="rect">
+            <a:avLst/>
+          </a:prstGeom>
+          <a:noFill/>
+        </p:spPr>
+        <p:txBody>
+          <a:bodyPr wrap="square" rtlCol="0">
+            <a:spAutoFit/>
+          </a:bodyPr>
+          <a:lstStyle/>
+          <a:p>
+            <a:pPr marL="628650" lvl="1" indent="-171450">
+              <a:lnSpc>
+                <a:spcPct val="200000"/>
+              </a:lnSpc>
+              <a:buFont typeface="Arial" panose="020B0604020202020204" pitchFamily="34" charset="0"/>
+              <a:buChar char="•"/>
+            </a:pPr>
+            <a:r>
+              <a:rPr lang="en-US" sz="1000" dirty="0">
+                <a:latin typeface="Trebuchet MS" panose="020B0603020202020204" pitchFamily="34" charset="0"/>
+              </a:rPr>
+              <a:t>Bouncing orb puzzle</a:t>
+            </a:r>
+          </a:p>
+          <a:p>
+            <a:pPr marL="628650" lvl="1" indent="-171450">
+              <a:lnSpc>
+                <a:spcPct val="200000"/>
+              </a:lnSpc>
+              <a:buFont typeface="Arial" panose="020B0604020202020204" pitchFamily="34" charset="0"/>
+              <a:buChar char="•"/>
+            </a:pPr>
+            <a:r>
+              <a:rPr lang="en-US" sz="1000" dirty="0">
+                <a:latin typeface="Trebuchet MS" panose="020B0603020202020204" pitchFamily="34" charset="0"/>
+              </a:rPr>
+              <a:t>Hit the orb with the player, blaster/missiles, or grapple to bounce it off the walls and into the trigger in the lower left corner.</a:t>
+            </a:r>
+          </a:p>
+          <a:p>
+            <a:pPr marL="628650" lvl="1" indent="-171450">
+              <a:lnSpc>
+                <a:spcPct val="200000"/>
+              </a:lnSpc>
+              <a:buFont typeface="Arial" panose="020B0604020202020204" pitchFamily="34" charset="0"/>
+              <a:buChar char="•"/>
+            </a:pPr>
+            <a:r>
+              <a:rPr lang="en-US" sz="1000" dirty="0">
+                <a:latin typeface="Trebuchet MS" panose="020B0603020202020204" pitchFamily="34" charset="0"/>
+              </a:rPr>
+              <a:t>Enemies spawn periodically.</a:t>
+            </a:r>
+          </a:p>
+          <a:p>
+            <a:pPr marL="628650" lvl="1" indent="-171450">
+              <a:lnSpc>
+                <a:spcPct val="200000"/>
+              </a:lnSpc>
+              <a:buFont typeface="Arial" panose="020B0604020202020204" pitchFamily="34" charset="0"/>
+              <a:buChar char="•"/>
+            </a:pPr>
+            <a:r>
+              <a:rPr lang="en-US" sz="1000" dirty="0">
+                <a:latin typeface="Trebuchet MS" panose="020B0603020202020204" pitchFamily="34" charset="0"/>
+              </a:rPr>
+              <a:t>Collect the fourth key.</a:t>
+            </a:r>
+          </a:p>
+          <a:p>
+            <a:pPr marL="628650" lvl="1" indent="-171450">
+              <a:lnSpc>
+                <a:spcPct val="200000"/>
+              </a:lnSpc>
+              <a:buFont typeface="Arial" panose="020B0604020202020204" pitchFamily="34" charset="0"/>
+              <a:buChar char="•"/>
+            </a:pPr>
+            <a:endParaRPr lang="en-US" sz="1000" dirty="0">
+              <a:latin typeface="Trebuchet MS" panose="020B0603020202020204" pitchFamily="34" charset="0"/>
+            </a:endParaRPr>
+          </a:p>
+        </p:txBody>
+      </p:sp>
+    </p:spTree>
+    <p:extLst>
+      <p:ext uri="{BB962C8B-B14F-4D97-AF65-F5344CB8AC3E}">
+        <p14:creationId xmlns:p14="http://schemas.microsoft.com/office/powerpoint/2010/main" val="3744235567"/>
+      </p:ext>
+    </p:extLst>
+  </p:cSld>
+  <p:clrMapOvr>
+    <a:masterClrMapping/>
+  </p:clrMapOvr>
+  <mc:AlternateContent xmlns:mc="http://schemas.openxmlformats.org/markup-compatibility/2006" xmlns:p14="http://schemas.microsoft.com/office/powerpoint/2010/main">
+    <mc:Choice Requires="p14">
+      <p:transition spd="med" p14:dur="700">
+        <p:fade/>
+      </p:transition>
+    </mc:Choice>
+    <mc:Fallback xmlns="">
+      <p:transition spd="med">
+        <p:fade/>
+      </p:transition>
+    </mc:Fallback>
+  </mc:AlternateContent>
+</p:sld>
+</file>
+
+<file path=ppt/slides/slide13.xml><?xml version="1.0" encoding="utf-8"?>
+<p:sld xmlns:a="http://schemas.openxmlformats.org/drawingml/2006/main" xmlns:r="http://schemas.openxmlformats.org/officeDocument/2006/relationships" xmlns:p="http://schemas.openxmlformats.org/presentationml/2006/main">
+  <p:cSld>
+    <p:bg>
+      <p:bgPr>
+        <a:gradFill rotWithShape="1">
+          <a:gsLst>
+            <a:gs pos="0">
+              <a:schemeClr val="bg1">
+                <a:tint val="90000"/>
+                <a:shade val="96000"/>
+                <a:hueMod val="100000"/>
+                <a:satMod val="180000"/>
+                <a:lumMod val="110000"/>
+              </a:schemeClr>
+            </a:gs>
+            <a:gs pos="100000">
+              <a:schemeClr val="bg1">
+                <a:shade val="96000"/>
+                <a:satMod val="160000"/>
+                <a:lumMod val="100000"/>
+              </a:schemeClr>
+            </a:gs>
+          </a:gsLst>
+          <a:lin ang="4740000" scaled="1"/>
+        </a:gradFill>
+        <a:effectLst/>
+      </p:bgPr>
+    </p:bg>
+    <p:spTree>
+      <p:nvGrpSpPr>
+        <p:cNvPr id="1" name=""/>
+        <p:cNvGrpSpPr/>
+        <p:nvPr/>
+      </p:nvGrpSpPr>
+      <p:grpSpPr>
+        <a:xfrm>
+          <a:off x="0" y="0"/>
+          <a:ext cx="0" cy="0"/>
+          <a:chOff x="0" y="0"/>
+          <a:chExt cx="0" cy="0"/>
+        </a:xfrm>
+      </p:grpSpPr>
+      <p:sp useBgFill="1">
+        <p:nvSpPr>
+          <p:cNvPr id="8" name="Rectangle 7">
+            <a:extLst>
+              <a:ext uri="{FF2B5EF4-FFF2-40B4-BE49-F238E27FC236}">
+                <a16:creationId xmlns:a16="http://schemas.microsoft.com/office/drawing/2014/main" id="{E0E174D7-A74C-4845-B4E2-D161F9C68F73}"/>
+              </a:ext>
+              <a:ext uri="{C183D7F6-B498-43B3-948B-1728B52AA6E4}">
+                <adec:decorative xmlns:adec="http://schemas.microsoft.com/office/drawing/2017/decorative" val="1"/>
+              </a:ext>
+            </a:extLst>
+          </p:cNvPr>
+          <p:cNvSpPr>
+            <a:spLocks noGrp="1" noRot="1" noChangeAspect="1" noMove="1" noResize="1" noEditPoints="1" noAdjustHandles="1" noChangeArrowheads="1" noChangeShapeType="1" noTextEdit="1"/>
+          </p:cNvSpPr>
+          <p:nvPr>
+            <p:extLst>
+              <p:ext uri="{386F3935-93C4-4BCD-93E2-E3B085C9AB24}">
+                <p16:designElem xmlns:p16="http://schemas.microsoft.com/office/powerpoint/2015/main" val="1"/>
+              </p:ext>
+            </p:extLst>
+          </p:nvPr>
+        </p:nvSpPr>
+        <p:spPr>
+          <a:xfrm>
+            <a:off x="0" y="0"/>
+            <a:ext cx="12192000" cy="6858000"/>
+          </a:xfrm>
+          <a:prstGeom prst="rect">
+            <a:avLst/>
+          </a:prstGeom>
+          <a:ln>
+            <a:noFill/>
+          </a:ln>
+        </p:spPr>
+        <p:style>
+          <a:lnRef idx="2">
+            <a:schemeClr val="accent1">
+              <a:shade val="50000"/>
+            </a:schemeClr>
+          </a:lnRef>
+          <a:fillRef idx="1">
+            <a:schemeClr val="accent1"/>
+          </a:fillRef>
+          <a:effectRef idx="0">
+            <a:schemeClr val="accent1"/>
+          </a:effectRef>
+          <a:fontRef idx="minor">
+            <a:schemeClr val="lt1"/>
+          </a:fontRef>
+        </p:style>
+        <p:txBody>
+          <a:bodyPr rtlCol="0" anchor="ctr"/>
+          <a:lstStyle/>
+          <a:p>
+            <a:pPr algn="ctr"/>
+            <a:endParaRPr lang="en-US"/>
+          </a:p>
+        </p:txBody>
+      </p:sp>
+      <p:sp>
+        <p:nvSpPr>
+          <p:cNvPr id="10" name="Rectangle 9">
+            <a:extLst>
+              <a:ext uri="{FF2B5EF4-FFF2-40B4-BE49-F238E27FC236}">
+                <a16:creationId xmlns:a16="http://schemas.microsoft.com/office/drawing/2014/main" id="{512F2985-810C-4ABC-9993-5D7821EE76B6}"/>
+              </a:ext>
+              <a:ext uri="{C183D7F6-B498-43B3-948B-1728B52AA6E4}">
+                <adec:decorative xmlns:adec="http://schemas.microsoft.com/office/drawing/2017/decorative" val="1"/>
+              </a:ext>
+            </a:extLst>
+          </p:cNvPr>
+          <p:cNvSpPr>
+            <a:spLocks noGrp="1" noRot="1" noChangeAspect="1" noMove="1" noResize="1" noEditPoints="1" noAdjustHandles="1" noChangeArrowheads="1" noChangeShapeType="1" noTextEdit="1"/>
+          </p:cNvSpPr>
+          <p:nvPr>
+            <p:extLst>
+              <p:ext uri="{386F3935-93C4-4BCD-93E2-E3B085C9AB24}">
+                <p16:designElem xmlns:p16="http://schemas.microsoft.com/office/powerpoint/2015/main" val="1"/>
+              </p:ext>
+            </p:extLst>
+          </p:nvPr>
+        </p:nvSpPr>
+        <p:spPr>
+          <a:xfrm>
+            <a:off x="477012" y="480060"/>
+            <a:ext cx="11237976" cy="5897880"/>
+          </a:xfrm>
+          <a:prstGeom prst="rect">
+            <a:avLst/>
+          </a:prstGeom>
+          <a:solidFill>
+            <a:schemeClr val="tx1"/>
+          </a:solidFill>
+          <a:ln>
+            <a:solidFill>
+              <a:srgbClr val="FFFFFF"/>
+            </a:solidFill>
+          </a:ln>
+        </p:spPr>
+        <p:style>
+          <a:lnRef idx="2">
+            <a:schemeClr val="accent1">
+              <a:shade val="50000"/>
+            </a:schemeClr>
+          </a:lnRef>
+          <a:fillRef idx="1">
+            <a:schemeClr val="accent1"/>
+          </a:fillRef>
+          <a:effectRef idx="0">
+            <a:schemeClr val="accent1"/>
+          </a:effectRef>
+          <a:fontRef idx="minor">
+            <a:schemeClr val="lt1"/>
+          </a:fontRef>
+        </p:style>
+        <p:txBody>
+          <a:bodyPr rtlCol="0" anchor="ctr"/>
+          <a:lstStyle/>
+          <a:p>
+            <a:pPr algn="ctr"/>
+            <a:endParaRPr lang="en-US"/>
+          </a:p>
+        </p:txBody>
+      </p:sp>
+      <p:pic>
+        <p:nvPicPr>
+          <p:cNvPr id="3" name="Picture 2" descr="A picture containing sitting, computer, laptop, woman&#10;&#10;Description automatically generated">
+            <a:extLst>
+              <a:ext uri="{FF2B5EF4-FFF2-40B4-BE49-F238E27FC236}">
+                <a16:creationId xmlns:a16="http://schemas.microsoft.com/office/drawing/2014/main" id="{E843EAB9-E372-4034-B77A-A79FF2CAC9CB}"/>
+              </a:ext>
+            </a:extLst>
+          </p:cNvPr>
+          <p:cNvPicPr>
+            <a:picLocks noChangeAspect="1"/>
+          </p:cNvPicPr>
+          <p:nvPr/>
+        </p:nvPicPr>
+        <p:blipFill>
+          <a:blip r:embed="rId2">
+            <a:extLst>
+              <a:ext uri="{28A0092B-C50C-407E-A947-70E740481C1C}">
+                <a14:useLocalDpi xmlns:a14="http://schemas.microsoft.com/office/drawing/2010/main" val="0"/>
+              </a:ext>
+            </a:extLst>
+          </a:blip>
+          <a:stretch>
+            <a:fillRect/>
+          </a:stretch>
+        </p:blipFill>
+        <p:spPr>
+          <a:xfrm>
+            <a:off x="867726" y="801793"/>
+            <a:ext cx="10456547" cy="5254414"/>
+          </a:xfrm>
+          <a:prstGeom prst="rect">
+            <a:avLst/>
+          </a:prstGeom>
+        </p:spPr>
+      </p:pic>
+    </p:spTree>
+    <p:extLst>
+      <p:ext uri="{BB962C8B-B14F-4D97-AF65-F5344CB8AC3E}">
+        <p14:creationId xmlns:p14="http://schemas.microsoft.com/office/powerpoint/2010/main" val="417984992"/>
+      </p:ext>
+    </p:extLst>
+  </p:cSld>
+  <p:clrMapOvr>
+    <a:masterClrMapping/>
+  </p:clrMapOvr>
+  <mc:AlternateContent xmlns:mc="http://schemas.openxmlformats.org/markup-compatibility/2006" xmlns:p14="http://schemas.microsoft.com/office/powerpoint/2010/main">
+    <mc:Choice Requires="p14">
+      <p:transition spd="med" p14:dur="700">
+        <p:fade/>
+      </p:transition>
+    </mc:Choice>
+    <mc:Fallback xmlns="">
+      <p:transition spd="med">
+        <p:fade/>
+      </p:transition>
+    </mc:Fallback>
+  </mc:AlternateContent>
+</p:sld>
+</file>
+
+<file path=ppt/slides/slide14.xml><?xml version="1.0" encoding="utf-8"?>
 <p:sld xmlns:a="http://schemas.openxmlformats.org/drawingml/2006/main" xmlns:r="http://schemas.openxmlformats.org/officeDocument/2006/relationships" xmlns:p="http://schemas.openxmlformats.org/presentationml/2006/main">
   <p:cSld>
     <p:spTree>
@@ -8640,7 +9644,7 @@
         </p:blipFill>
         <p:spPr>
           <a:xfrm>
-            <a:off x="4476750" y="752336"/>
+            <a:off x="3511550" y="752336"/>
             <a:ext cx="5168900" cy="5513494"/>
           </a:xfrm>
           <a:prstGeom prst="rect">
@@ -8678,6 +9682,80 @@
           </a:sp3d>
         </p:spPr>
       </p:pic>
+      <p:sp>
+        <p:nvSpPr>
+          <p:cNvPr id="7" name="TextBox 6">
+            <a:extLst>
+              <a:ext uri="{FF2B5EF4-FFF2-40B4-BE49-F238E27FC236}">
+                <a16:creationId xmlns:a16="http://schemas.microsoft.com/office/drawing/2014/main" id="{D1235870-B0D2-461B-A96B-8BD6B1C275DA}"/>
+              </a:ext>
+            </a:extLst>
+          </p:cNvPr>
+          <p:cNvSpPr txBox="1"/>
+          <p:nvPr/>
+        </p:nvSpPr>
+        <p:spPr>
+          <a:xfrm>
+            <a:off x="8353131" y="3325393"/>
+            <a:ext cx="3308490" cy="1891480"/>
+          </a:xfrm>
+          <a:prstGeom prst="rect">
+            <a:avLst/>
+          </a:prstGeom>
+          <a:noFill/>
+        </p:spPr>
+        <p:txBody>
+          <a:bodyPr wrap="square" rtlCol="0">
+            <a:spAutoFit/>
+          </a:bodyPr>
+          <a:lstStyle/>
+          <a:p>
+            <a:pPr marL="628650" lvl="1" indent="-171450">
+              <a:lnSpc>
+                <a:spcPct val="200000"/>
+              </a:lnSpc>
+              <a:buFont typeface="Arial" panose="020B0604020202020204" pitchFamily="34" charset="0"/>
+              <a:buChar char="•"/>
+            </a:pPr>
+            <a:r>
+              <a:rPr lang="en-US" sz="1000" dirty="0">
+                <a:latin typeface="Trebuchet MS" panose="020B0603020202020204" pitchFamily="34" charset="0"/>
+              </a:rPr>
+              <a:t>Tough enemy with basic enemies spawning.</a:t>
+            </a:r>
+          </a:p>
+          <a:p>
+            <a:pPr marL="628650" lvl="1" indent="-171450">
+              <a:lnSpc>
+                <a:spcPct val="200000"/>
+              </a:lnSpc>
+              <a:buFont typeface="Arial" panose="020B0604020202020204" pitchFamily="34" charset="0"/>
+              <a:buChar char="•"/>
+            </a:pPr>
+            <a:r>
+              <a:rPr lang="en-US" sz="1000" dirty="0">
+                <a:latin typeface="Trebuchet MS" panose="020B0603020202020204" pitchFamily="34" charset="0"/>
+              </a:rPr>
+              <a:t>Defeat them to activate the four key triggers.</a:t>
+            </a:r>
+          </a:p>
+          <a:p>
+            <a:pPr marL="628650" lvl="1" indent="-171450">
+              <a:lnSpc>
+                <a:spcPct val="200000"/>
+              </a:lnSpc>
+              <a:buFont typeface="Arial" panose="020B0604020202020204" pitchFamily="34" charset="0"/>
+              <a:buChar char="•"/>
+            </a:pPr>
+            <a:r>
+              <a:rPr lang="en-US" sz="1000" dirty="0">
+                <a:latin typeface="Trebuchet MS" panose="020B0603020202020204" pitchFamily="34" charset="0"/>
+              </a:rPr>
+              <a:t>Place the four keys collected throughout the level to gain access to the portal chamber.</a:t>
+            </a:r>
+          </a:p>
+        </p:txBody>
+      </p:sp>
     </p:spTree>
     <p:extLst>
       <p:ext uri="{BB962C8B-B14F-4D97-AF65-F5344CB8AC3E}">
@@ -8688,13 +9766,13 @@
   <p:clrMapOvr>
     <a:masterClrMapping/>
   </p:clrMapOvr>
-  <mc:AlternateContent xmlns:mc="http://schemas.openxmlformats.org/markup-compatibility/2006">
-    <mc:Choice xmlns:p14="http://schemas.microsoft.com/office/powerpoint/2010/main" Requires="p14">
+  <mc:AlternateContent xmlns:mc="http://schemas.openxmlformats.org/markup-compatibility/2006" xmlns:p14="http://schemas.microsoft.com/office/powerpoint/2010/main">
+    <mc:Choice Requires="p14">
       <p:transition spd="med" p14:dur="700">
         <p:fade/>
       </p:transition>
     </mc:Choice>
-    <mc:Fallback>
+    <mc:Fallback xmlns="">
       <p:transition spd="med">
         <p:fade/>
       </p:transition>
@@ -8703,7 +9781,7 @@
 </p:sld>
 </file>
 
-<file path=ppt/slides/slide11.xml><?xml version="1.0" encoding="utf-8"?>
+<file path=ppt/slides/slide15.xml><?xml version="1.0" encoding="utf-8"?>
 <p:sld xmlns:a="http://schemas.openxmlformats.org/drawingml/2006/main" xmlns:r="http://schemas.openxmlformats.org/officeDocument/2006/relationships" xmlns:p="http://schemas.openxmlformats.org/presentationml/2006/main">
   <p:cSld>
     <p:spTree>
@@ -8807,7 +9885,7 @@
           </p:cNvPicPr>
           <p:nvPr/>
         </p:nvPicPr>
-        <p:blipFill>
+        <p:blipFill rotWithShape="1">
           <a:blip r:embed="rId3">
             <a:extLst>
               <a:ext uri="{28A0092B-C50C-407E-A947-70E740481C1C}">
@@ -8815,14 +9893,13 @@
               </a:ext>
             </a:extLst>
           </a:blip>
-          <a:stretch>
-            <a:fillRect/>
-          </a:stretch>
+          <a:srcRect l="10667" r="8981"/>
+          <a:stretch/>
         </p:blipFill>
         <p:spPr>
           <a:xfrm>
-            <a:off x="3542899" y="920750"/>
-            <a:ext cx="7275432" cy="5219700"/>
+            <a:off x="3524669" y="1115076"/>
+            <a:ext cx="5248737" cy="4686496"/>
           </a:xfrm>
           <a:prstGeom prst="rect">
             <a:avLst/>
@@ -8859,6 +9936,92 @@
           </a:sp3d>
         </p:spPr>
       </p:pic>
+      <p:sp>
+        <p:nvSpPr>
+          <p:cNvPr id="5" name="TextBox 4">
+            <a:extLst>
+              <a:ext uri="{FF2B5EF4-FFF2-40B4-BE49-F238E27FC236}">
+                <a16:creationId xmlns:a16="http://schemas.microsoft.com/office/drawing/2014/main" id="{18AAF9C3-29A1-4CC1-84C3-B98DCC66D0B8}"/>
+              </a:ext>
+            </a:extLst>
+          </p:cNvPr>
+          <p:cNvSpPr txBox="1"/>
+          <p:nvPr/>
+        </p:nvSpPr>
+        <p:spPr>
+          <a:xfrm>
+            <a:off x="8606907" y="3458324"/>
+            <a:ext cx="3244038" cy="2507033"/>
+          </a:xfrm>
+          <a:prstGeom prst="rect">
+            <a:avLst/>
+          </a:prstGeom>
+          <a:noFill/>
+        </p:spPr>
+        <p:txBody>
+          <a:bodyPr wrap="square" rtlCol="0">
+            <a:spAutoFit/>
+          </a:bodyPr>
+          <a:lstStyle/>
+          <a:p>
+            <a:pPr marL="628650" lvl="1" indent="-171450">
+              <a:lnSpc>
+                <a:spcPct val="200000"/>
+              </a:lnSpc>
+              <a:buFont typeface="Arial" panose="020B0604020202020204" pitchFamily="34" charset="0"/>
+              <a:buChar char="•"/>
+            </a:pPr>
+            <a:r>
+              <a:rPr lang="en-US" sz="1000" dirty="0">
+                <a:latin typeface="Trebuchet MS" panose="020B0603020202020204" pitchFamily="34" charset="0"/>
+              </a:rPr>
+              <a:t>Final Boss with few basic enemies spawning. </a:t>
+            </a:r>
+          </a:p>
+          <a:p>
+            <a:pPr marL="628650" lvl="1" indent="-171450">
+              <a:lnSpc>
+                <a:spcPct val="200000"/>
+              </a:lnSpc>
+              <a:buFont typeface="Arial" panose="020B0604020202020204" pitchFamily="34" charset="0"/>
+              <a:buChar char="•"/>
+            </a:pPr>
+            <a:r>
+              <a:rPr lang="en-US" sz="1000" dirty="0">
+                <a:latin typeface="Trebuchet MS" panose="020B0603020202020204" pitchFamily="34" charset="0"/>
+              </a:rPr>
+              <a:t>Pillars will appear allowing use of the grapple to dodge the boss and other enemies.</a:t>
+            </a:r>
+          </a:p>
+          <a:p>
+            <a:pPr marL="628650" lvl="1" indent="-171450">
+              <a:lnSpc>
+                <a:spcPct val="200000"/>
+              </a:lnSpc>
+              <a:buFont typeface="Arial" panose="020B0604020202020204" pitchFamily="34" charset="0"/>
+              <a:buChar char="•"/>
+            </a:pPr>
+            <a:r>
+              <a:rPr lang="en-US" sz="1000" dirty="0">
+                <a:latin typeface="Trebuchet MS" panose="020B0603020202020204" pitchFamily="34" charset="0"/>
+              </a:rPr>
+              <a:t>Defeat the boss to access the portal and win the level!</a:t>
+            </a:r>
+          </a:p>
+          <a:p>
+            <a:pPr marL="628650" lvl="1" indent="-171450">
+              <a:lnSpc>
+                <a:spcPct val="200000"/>
+              </a:lnSpc>
+              <a:buFont typeface="Arial" panose="020B0604020202020204" pitchFamily="34" charset="0"/>
+              <a:buChar char="•"/>
+            </a:pPr>
+            <a:endParaRPr lang="en-US" sz="1000" dirty="0">
+              <a:latin typeface="Trebuchet MS" panose="020B0603020202020204" pitchFamily="34" charset="0"/>
+            </a:endParaRPr>
+          </a:p>
+        </p:txBody>
+      </p:sp>
     </p:spTree>
     <p:extLst>
       <p:ext uri="{BB962C8B-B14F-4D97-AF65-F5344CB8AC3E}">
@@ -8869,13 +10032,13 @@
   <p:clrMapOvr>
     <a:masterClrMapping/>
   </p:clrMapOvr>
-  <mc:AlternateContent xmlns:mc="http://schemas.openxmlformats.org/markup-compatibility/2006">
-    <mc:Choice xmlns:p14="http://schemas.microsoft.com/office/powerpoint/2010/main" Requires="p14">
+  <mc:AlternateContent xmlns:mc="http://schemas.openxmlformats.org/markup-compatibility/2006" xmlns:p14="http://schemas.microsoft.com/office/powerpoint/2010/main">
+    <mc:Choice Requires="p14">
       <p:transition spd="med" p14:dur="700">
         <p:fade/>
       </p:transition>
     </mc:Choice>
-    <mc:Fallback>
+    <mc:Fallback xmlns="">
       <p:transition spd="med">
         <p:fade/>
       </p:transition>
@@ -8954,7 +10117,7 @@
         </p:nvSpPr>
         <p:spPr>
           <a:xfrm>
-            <a:off x="791441" y="1529483"/>
+            <a:off x="811582" y="1734921"/>
             <a:ext cx="5181600" cy="4606925"/>
           </a:xfrm>
         </p:spPr>
@@ -9033,6 +10196,15 @@
                 <a:latin typeface="Trebuchet MS" panose="020B0603020202020204" pitchFamily="34" charset="0"/>
               </a:rPr>
               <a:t>Missile – strong, slow shot weapon</a:t>
+            </a:r>
+          </a:p>
+          <a:p>
+            <a:pPr lvl="2"/>
+            <a:r>
+              <a:rPr lang="en-US" sz="6400" dirty="0">
+                <a:latin typeface="Trebuchet MS" panose="020B0603020202020204" pitchFamily="34" charset="0"/>
+              </a:rPr>
+              <a:t>Lock-on Target</a:t>
             </a:r>
           </a:p>
           <a:p>
@@ -9094,7 +10266,7 @@
         </p:nvSpPr>
         <p:spPr>
           <a:xfrm>
-            <a:off x="5821895" y="2142067"/>
+            <a:off x="5858148" y="1980939"/>
             <a:ext cx="5847096" cy="3649133"/>
           </a:xfrm>
         </p:spPr>
@@ -9358,13 +10530,13 @@
   <p:clrMapOvr>
     <a:masterClrMapping/>
   </p:clrMapOvr>
-  <mc:AlternateContent xmlns:mc="http://schemas.openxmlformats.org/markup-compatibility/2006">
-    <mc:Choice xmlns:p14="http://schemas.microsoft.com/office/powerpoint/2010/main" Requires="p14">
+  <mc:AlternateContent xmlns:mc="http://schemas.openxmlformats.org/markup-compatibility/2006" xmlns:p14="http://schemas.microsoft.com/office/powerpoint/2010/main">
+    <mc:Choice Requires="p14">
       <p:transition spd="med" p14:dur="700">
         <p:fade/>
       </p:transition>
     </mc:Choice>
-    <mc:Fallback>
+    <mc:Fallback xmlns="">
       <p:transition spd="med">
         <p:fade/>
       </p:transition>
@@ -9587,13 +10759,13 @@
   <p:clrMapOvr>
     <a:masterClrMapping/>
   </p:clrMapOvr>
-  <mc:AlternateContent xmlns:mc="http://schemas.openxmlformats.org/markup-compatibility/2006">
-    <mc:Choice xmlns:p14="http://schemas.microsoft.com/office/powerpoint/2010/main" Requires="p14">
+  <mc:AlternateContent xmlns:mc="http://schemas.openxmlformats.org/markup-compatibility/2006" xmlns:p14="http://schemas.microsoft.com/office/powerpoint/2010/main">
+    <mc:Choice Requires="p14">
       <p:transition spd="med" p14:dur="700">
         <p:fade/>
       </p:transition>
     </mc:Choice>
-    <mc:Fallback>
+    <mc:Fallback xmlns="">
       <p:transition spd="med">
         <p:fade/>
       </p:transition>
@@ -9720,7 +10892,7 @@
         </p:blipFill>
         <p:spPr>
           <a:xfrm>
-            <a:off x="4643437" y="752336"/>
+            <a:off x="3527628" y="1038338"/>
             <a:ext cx="4792663" cy="5186395"/>
           </a:xfrm>
           <a:prstGeom prst="rect">
@@ -9758,6 +10930,89 @@
           </a:sp3d>
         </p:spPr>
       </p:pic>
+      <p:sp>
+        <p:nvSpPr>
+          <p:cNvPr id="2" name="TextBox 1">
+            <a:extLst>
+              <a:ext uri="{FF2B5EF4-FFF2-40B4-BE49-F238E27FC236}">
+                <a16:creationId xmlns:a16="http://schemas.microsoft.com/office/drawing/2014/main" id="{A403FB93-EDDA-45E4-8875-AEBF4F9A4CAB}"/>
+              </a:ext>
+            </a:extLst>
+          </p:cNvPr>
+          <p:cNvSpPr txBox="1"/>
+          <p:nvPr/>
+        </p:nvSpPr>
+        <p:spPr>
+          <a:xfrm>
+            <a:off x="8562597" y="3345533"/>
+            <a:ext cx="3089625" cy="1785104"/>
+          </a:xfrm>
+          <a:prstGeom prst="rect">
+            <a:avLst/>
+          </a:prstGeom>
+          <a:noFill/>
+        </p:spPr>
+        <p:txBody>
+          <a:bodyPr wrap="square" rtlCol="0">
+            <a:spAutoFit/>
+          </a:bodyPr>
+          <a:lstStyle/>
+          <a:p>
+            <a:pPr marL="171450" indent="-171450">
+              <a:lnSpc>
+                <a:spcPct val="200000"/>
+              </a:lnSpc>
+              <a:buFont typeface="Arial" panose="020B0604020202020204" pitchFamily="34" charset="0"/>
+              <a:buChar char="•"/>
+            </a:pPr>
+            <a:r>
+              <a:rPr lang="en-US" sz="1000" dirty="0">
+                <a:latin typeface="Trebuchet MS" panose="020B0603020202020204" pitchFamily="34" charset="0"/>
+              </a:rPr>
+              <a:t>Start Tutorial</a:t>
+            </a:r>
+          </a:p>
+          <a:p>
+            <a:pPr marL="628650" lvl="1" indent="-171450">
+              <a:lnSpc>
+                <a:spcPct val="200000"/>
+              </a:lnSpc>
+              <a:buFont typeface="Arial" panose="020B0604020202020204" pitchFamily="34" charset="0"/>
+              <a:buChar char="•"/>
+            </a:pPr>
+            <a:r>
+              <a:rPr lang="en-US" sz="1000" dirty="0">
+                <a:latin typeface="Trebuchet MS" panose="020B0603020202020204" pitchFamily="34" charset="0"/>
+              </a:rPr>
+              <a:t>Objective to collect four keys</a:t>
+            </a:r>
+          </a:p>
+          <a:p>
+            <a:pPr marL="628650" lvl="1" indent="-171450">
+              <a:lnSpc>
+                <a:spcPct val="200000"/>
+              </a:lnSpc>
+              <a:buFont typeface="Arial" panose="020B0604020202020204" pitchFamily="34" charset="0"/>
+              <a:buChar char="•"/>
+            </a:pPr>
+            <a:r>
+              <a:rPr lang="en-US" sz="1000" dirty="0">
+                <a:latin typeface="Trebuchet MS" panose="020B0603020202020204" pitchFamily="34" charset="0"/>
+              </a:rPr>
+              <a:t>Shooting tutorial – Shooting targets will appear. Practice shooting blaster and missiles.</a:t>
+            </a:r>
+          </a:p>
+          <a:p>
+            <a:pPr marL="628650" lvl="1" indent="-171450">
+              <a:buFont typeface="Arial" panose="020B0604020202020204" pitchFamily="34" charset="0"/>
+              <a:buChar char="•"/>
+            </a:pPr>
+            <a:endParaRPr lang="en-US" sz="1000" dirty="0">
+              <a:latin typeface="Trebuchet MS" panose="020B0603020202020204" pitchFamily="34" charset="0"/>
+            </a:endParaRPr>
+          </a:p>
+        </p:txBody>
+      </p:sp>
     </p:spTree>
     <p:extLst>
       <p:ext uri="{BB962C8B-B14F-4D97-AF65-F5344CB8AC3E}">
@@ -9768,13 +11023,13 @@
   <p:clrMapOvr>
     <a:masterClrMapping/>
   </p:clrMapOvr>
-  <mc:AlternateContent xmlns:mc="http://schemas.openxmlformats.org/markup-compatibility/2006">
-    <mc:Choice xmlns:p14="http://schemas.microsoft.com/office/powerpoint/2010/main" Requires="p14">
+  <mc:AlternateContent xmlns:mc="http://schemas.openxmlformats.org/markup-compatibility/2006" xmlns:p14="http://schemas.microsoft.com/office/powerpoint/2010/main">
+    <mc:Choice Requires="p14">
       <p:transition spd="med" p14:dur="700">
         <p:fade/>
       </p:transition>
     </mc:Choice>
-    <mc:Fallback>
+    <mc:Fallback xmlns="">
       <p:transition spd="med">
         <p:fade/>
       </p:transition>
@@ -9939,6 +11194,95 @@
           </a:prstGeom>
         </p:spPr>
       </p:pic>
+      <p:sp>
+        <p:nvSpPr>
+          <p:cNvPr id="8" name="TextBox 7">
+            <a:extLst>
+              <a:ext uri="{FF2B5EF4-FFF2-40B4-BE49-F238E27FC236}">
+                <a16:creationId xmlns:a16="http://schemas.microsoft.com/office/drawing/2014/main" id="{2E88D25E-C44B-4CB6-884A-F891EB88CEAA}"/>
+              </a:ext>
+            </a:extLst>
+          </p:cNvPr>
+          <p:cNvSpPr txBox="1"/>
+          <p:nvPr/>
+        </p:nvSpPr>
+        <p:spPr>
+          <a:xfrm>
+            <a:off x="8353131" y="3325393"/>
+            <a:ext cx="3244038" cy="1891480"/>
+          </a:xfrm>
+          <a:prstGeom prst="rect">
+            <a:avLst/>
+          </a:prstGeom>
+          <a:noFill/>
+        </p:spPr>
+        <p:txBody>
+          <a:bodyPr wrap="square" rtlCol="0">
+            <a:spAutoFit/>
+          </a:bodyPr>
+          <a:lstStyle/>
+          <a:p>
+            <a:pPr marL="628650" lvl="1" indent="-171450">
+              <a:lnSpc>
+                <a:spcPct val="200000"/>
+              </a:lnSpc>
+              <a:buFont typeface="Arial" panose="020B0604020202020204" pitchFamily="34" charset="0"/>
+              <a:buChar char="•"/>
+            </a:pPr>
+            <a:r>
+              <a:rPr lang="en-US" sz="1000" dirty="0">
+                <a:latin typeface="Trebuchet MS" panose="020B0603020202020204" pitchFamily="34" charset="0"/>
+              </a:rPr>
+              <a:t>Seven enemies </a:t>
+            </a:r>
+          </a:p>
+          <a:p>
+            <a:pPr marL="628650" lvl="1" indent="-171450">
+              <a:lnSpc>
+                <a:spcPct val="200000"/>
+              </a:lnSpc>
+              <a:buFont typeface="Arial" panose="020B0604020202020204" pitchFamily="34" charset="0"/>
+              <a:buChar char="•"/>
+            </a:pPr>
+            <a:r>
+              <a:rPr lang="en-US" sz="1000" dirty="0">
+                <a:latin typeface="Trebuchet MS" panose="020B0603020202020204" pitchFamily="34" charset="0"/>
+              </a:rPr>
+              <a:t>Shoot them down with blaster or missiles.</a:t>
+            </a:r>
+          </a:p>
+          <a:p>
+            <a:pPr marL="628650" lvl="1" indent="-171450">
+              <a:lnSpc>
+                <a:spcPct val="200000"/>
+              </a:lnSpc>
+              <a:buFont typeface="Arial" panose="020B0604020202020204" pitchFamily="34" charset="0"/>
+              <a:buChar char="•"/>
+            </a:pPr>
+            <a:r>
+              <a:rPr lang="en-US" sz="1000" dirty="0">
+                <a:latin typeface="Trebuchet MS" panose="020B0603020202020204" pitchFamily="34" charset="0"/>
+              </a:rPr>
+              <a:t>After the player takes some damage, dash/dodge tutorial appears. </a:t>
+            </a:r>
+          </a:p>
+          <a:p>
+            <a:pPr marL="628650" lvl="1" indent="-171450">
+              <a:lnSpc>
+                <a:spcPct val="200000"/>
+              </a:lnSpc>
+              <a:buFont typeface="Arial" panose="020B0604020202020204" pitchFamily="34" charset="0"/>
+              <a:buChar char="•"/>
+            </a:pPr>
+            <a:r>
+              <a:rPr lang="en-US" sz="1000" dirty="0">
+                <a:latin typeface="Trebuchet MS" panose="020B0603020202020204" pitchFamily="34" charset="0"/>
+              </a:rPr>
+              <a:t>After enemies are defeated, step on the purple trigger and collect the first key!</a:t>
+            </a:r>
+          </a:p>
+        </p:txBody>
+      </p:sp>
     </p:spTree>
     <p:extLst>
       <p:ext uri="{BB962C8B-B14F-4D97-AF65-F5344CB8AC3E}">
@@ -9949,13 +11293,13 @@
   <p:clrMapOvr>
     <a:masterClrMapping/>
   </p:clrMapOvr>
-  <mc:AlternateContent xmlns:mc="http://schemas.openxmlformats.org/markup-compatibility/2006">
-    <mc:Choice xmlns:p14="http://schemas.microsoft.com/office/powerpoint/2010/main" Requires="p14">
+  <mc:AlternateContent xmlns:mc="http://schemas.openxmlformats.org/markup-compatibility/2006" xmlns:p14="http://schemas.microsoft.com/office/powerpoint/2010/main">
+    <mc:Choice Requires="p14">
       <p:transition spd="med" p14:dur="700">
         <p:fade/>
       </p:transition>
     </mc:Choice>
-    <mc:Fallback>
+    <mc:Fallback xmlns="">
       <p:transition spd="med">
         <p:fade/>
       </p:transition>
@@ -9965,6 +11309,235 @@
 </file>
 
 <file path=ppt/slides/slide6.xml><?xml version="1.0" encoding="utf-8"?>
+<p:sld xmlns:a="http://schemas.openxmlformats.org/drawingml/2006/main" xmlns:r="http://schemas.openxmlformats.org/officeDocument/2006/relationships" xmlns:p="http://schemas.openxmlformats.org/presentationml/2006/main">
+  <p:cSld>
+    <p:bg>
+      <p:bgPr>
+        <a:gradFill rotWithShape="1">
+          <a:gsLst>
+            <a:gs pos="0">
+              <a:schemeClr val="bg1">
+                <a:tint val="90000"/>
+                <a:shade val="96000"/>
+                <a:hueMod val="100000"/>
+                <a:satMod val="180000"/>
+                <a:lumMod val="110000"/>
+              </a:schemeClr>
+            </a:gs>
+            <a:gs pos="100000">
+              <a:schemeClr val="bg1">
+                <a:shade val="96000"/>
+                <a:satMod val="160000"/>
+                <a:lumMod val="100000"/>
+              </a:schemeClr>
+            </a:gs>
+          </a:gsLst>
+          <a:lin ang="4740000" scaled="1"/>
+        </a:gradFill>
+        <a:effectLst/>
+      </p:bgPr>
+    </p:bg>
+    <p:spTree>
+      <p:nvGrpSpPr>
+        <p:cNvPr id="1" name=""/>
+        <p:cNvGrpSpPr/>
+        <p:nvPr/>
+      </p:nvGrpSpPr>
+      <p:grpSpPr>
+        <a:xfrm>
+          <a:off x="0" y="0"/>
+          <a:ext cx="0" cy="0"/>
+          <a:chOff x="0" y="0"/>
+          <a:chExt cx="0" cy="0"/>
+        </a:xfrm>
+      </p:grpSpPr>
+      <p:sp useBgFill="1">
+        <p:nvSpPr>
+          <p:cNvPr id="8" name="Rectangle 7">
+            <a:extLst>
+              <a:ext uri="{FF2B5EF4-FFF2-40B4-BE49-F238E27FC236}">
+                <a16:creationId xmlns:a16="http://schemas.microsoft.com/office/drawing/2014/main" id="{E0E174D7-A74C-4845-B4E2-D161F9C68F73}"/>
+              </a:ext>
+              <a:ext uri="{C183D7F6-B498-43B3-948B-1728B52AA6E4}">
+                <adec:decorative xmlns:adec="http://schemas.microsoft.com/office/drawing/2017/decorative" val="1"/>
+              </a:ext>
+            </a:extLst>
+          </p:cNvPr>
+          <p:cNvSpPr>
+            <a:spLocks noGrp="1" noRot="1" noChangeAspect="1" noMove="1" noResize="1" noEditPoints="1" noAdjustHandles="1" noChangeArrowheads="1" noChangeShapeType="1" noTextEdit="1"/>
+          </p:cNvSpPr>
+          <p:nvPr>
+            <p:extLst>
+              <p:ext uri="{386F3935-93C4-4BCD-93E2-E3B085C9AB24}">
+                <p16:designElem xmlns:p16="http://schemas.microsoft.com/office/powerpoint/2015/main" val="1"/>
+              </p:ext>
+            </p:extLst>
+          </p:nvPr>
+        </p:nvSpPr>
+        <p:spPr>
+          <a:xfrm>
+            <a:off x="0" y="0"/>
+            <a:ext cx="12192000" cy="6858000"/>
+          </a:xfrm>
+          <a:prstGeom prst="rect">
+            <a:avLst/>
+          </a:prstGeom>
+          <a:ln>
+            <a:noFill/>
+          </a:ln>
+        </p:spPr>
+        <p:style>
+          <a:lnRef idx="2">
+            <a:schemeClr val="accent1">
+              <a:shade val="50000"/>
+            </a:schemeClr>
+          </a:lnRef>
+          <a:fillRef idx="1">
+            <a:schemeClr val="accent1"/>
+          </a:fillRef>
+          <a:effectRef idx="0">
+            <a:schemeClr val="accent1"/>
+          </a:effectRef>
+          <a:fontRef idx="minor">
+            <a:schemeClr val="lt1"/>
+          </a:fontRef>
+        </p:style>
+        <p:txBody>
+          <a:bodyPr rtlCol="0" anchor="ctr"/>
+          <a:lstStyle/>
+          <a:p>
+            <a:pPr algn="ctr"/>
+            <a:endParaRPr lang="en-US"/>
+          </a:p>
+        </p:txBody>
+      </p:sp>
+      <p:sp>
+        <p:nvSpPr>
+          <p:cNvPr id="10" name="Rectangle 9">
+            <a:extLst>
+              <a:ext uri="{FF2B5EF4-FFF2-40B4-BE49-F238E27FC236}">
+                <a16:creationId xmlns:a16="http://schemas.microsoft.com/office/drawing/2014/main" id="{512F2985-810C-4ABC-9993-5D7821EE76B6}"/>
+              </a:ext>
+              <a:ext uri="{C183D7F6-B498-43B3-948B-1728B52AA6E4}">
+                <adec:decorative xmlns:adec="http://schemas.microsoft.com/office/drawing/2017/decorative" val="1"/>
+              </a:ext>
+            </a:extLst>
+          </p:cNvPr>
+          <p:cNvSpPr>
+            <a:spLocks noGrp="1" noRot="1" noChangeAspect="1" noMove="1" noResize="1" noEditPoints="1" noAdjustHandles="1" noChangeArrowheads="1" noChangeShapeType="1" noTextEdit="1"/>
+          </p:cNvSpPr>
+          <p:nvPr>
+            <p:extLst>
+              <p:ext uri="{386F3935-93C4-4BCD-93E2-E3B085C9AB24}">
+                <p16:designElem xmlns:p16="http://schemas.microsoft.com/office/powerpoint/2015/main" val="1"/>
+              </p:ext>
+            </p:extLst>
+          </p:nvPr>
+        </p:nvSpPr>
+        <p:spPr>
+          <a:xfrm>
+            <a:off x="477012" y="480060"/>
+            <a:ext cx="11237976" cy="5897880"/>
+          </a:xfrm>
+          <a:prstGeom prst="rect">
+            <a:avLst/>
+          </a:prstGeom>
+          <a:solidFill>
+            <a:schemeClr val="tx1"/>
+          </a:solidFill>
+          <a:ln>
+            <a:solidFill>
+              <a:srgbClr val="FFFFFF"/>
+            </a:solidFill>
+          </a:ln>
+        </p:spPr>
+        <p:style>
+          <a:lnRef idx="2">
+            <a:schemeClr val="accent1">
+              <a:shade val="50000"/>
+            </a:schemeClr>
+          </a:lnRef>
+          <a:fillRef idx="1">
+            <a:schemeClr val="accent1"/>
+          </a:fillRef>
+          <a:effectRef idx="0">
+            <a:schemeClr val="accent1"/>
+          </a:effectRef>
+          <a:fontRef idx="minor">
+            <a:schemeClr val="lt1"/>
+          </a:fontRef>
+        </p:style>
+        <p:txBody>
+          <a:bodyPr rtlCol="0" anchor="ctr"/>
+          <a:lstStyle/>
+          <a:p>
+            <a:pPr algn="ctr"/>
+            <a:endParaRPr lang="en-US"/>
+          </a:p>
+        </p:txBody>
+      </p:sp>
+      <p:pic>
+        <p:nvPicPr>
+          <p:cNvPr id="3" name="Picture 2" descr="A picture containing sitting, computer, laptop, woman&#10;&#10;Description automatically generated">
+            <a:extLst>
+              <a:ext uri="{FF2B5EF4-FFF2-40B4-BE49-F238E27FC236}">
+                <a16:creationId xmlns:a16="http://schemas.microsoft.com/office/drawing/2014/main" id="{E843EAB9-E372-4034-B77A-A79FF2CAC9CB}"/>
+              </a:ext>
+            </a:extLst>
+          </p:cNvPr>
+          <p:cNvPicPr>
+            <a:picLocks noChangeAspect="1"/>
+          </p:cNvPicPr>
+          <p:nvPr/>
+        </p:nvPicPr>
+        <p:blipFill>
+          <a:blip r:embed="rId2">
+            <a:extLst>
+              <a:ext uri="{28A0092B-C50C-407E-A947-70E740481C1C}">
+                <a14:useLocalDpi xmlns:a14="http://schemas.microsoft.com/office/drawing/2010/main" val="0"/>
+              </a:ext>
+            </a:extLst>
+          </a:blip>
+          <a:stretch>
+            <a:fillRect/>
+          </a:stretch>
+        </p:blipFill>
+        <p:spPr>
+          <a:xfrm>
+            <a:off x="867726" y="801793"/>
+            <a:ext cx="10456547" cy="5254414"/>
+          </a:xfrm>
+          <a:prstGeom prst="rect">
+            <a:avLst/>
+          </a:prstGeom>
+        </p:spPr>
+      </p:pic>
+    </p:spTree>
+    <p:extLst>
+      <p:ext uri="{BB962C8B-B14F-4D97-AF65-F5344CB8AC3E}">
+        <p14:creationId xmlns:p14="http://schemas.microsoft.com/office/powerpoint/2010/main" val="1516475480"/>
+      </p:ext>
+    </p:extLst>
+  </p:cSld>
+  <p:clrMapOvr>
+    <a:masterClrMapping/>
+  </p:clrMapOvr>
+  <mc:AlternateContent xmlns:mc="http://schemas.openxmlformats.org/markup-compatibility/2006" xmlns:p14="http://schemas.microsoft.com/office/powerpoint/2010/main">
+    <mc:Choice Requires="p14">
+      <p:transition spd="med" p14:dur="700">
+        <p:fade/>
+      </p:transition>
+    </mc:Choice>
+    <mc:Fallback xmlns="">
+      <p:transition spd="med">
+        <p:fade/>
+      </p:transition>
+    </mc:Fallback>
+  </mc:AlternateContent>
+</p:sld>
+</file>
+
+<file path=ppt/slides/slide7.xml><?xml version="1.0" encoding="utf-8"?>
 <p:sld xmlns:a="http://schemas.openxmlformats.org/drawingml/2006/main" xmlns:r="http://schemas.openxmlformats.org/officeDocument/2006/relationships" xmlns:p="http://schemas.openxmlformats.org/presentationml/2006/main">
   <p:cSld>
     <p:spTree>
@@ -10120,6 +11693,115 @@
           </a:sp3d>
         </p:spPr>
       </p:pic>
+      <p:sp>
+        <p:nvSpPr>
+          <p:cNvPr id="7" name="TextBox 6">
+            <a:extLst>
+              <a:ext uri="{FF2B5EF4-FFF2-40B4-BE49-F238E27FC236}">
+                <a16:creationId xmlns:a16="http://schemas.microsoft.com/office/drawing/2014/main" id="{F1283DA8-DEBB-4BFA-BD82-3052382C9CF6}"/>
+              </a:ext>
+            </a:extLst>
+          </p:cNvPr>
+          <p:cNvSpPr txBox="1"/>
+          <p:nvPr/>
+        </p:nvSpPr>
+        <p:spPr>
+          <a:xfrm>
+            <a:off x="8140714" y="2964751"/>
+            <a:ext cx="3009872" cy="2599366"/>
+          </a:xfrm>
+          <a:prstGeom prst="rect">
+            <a:avLst/>
+          </a:prstGeom>
+          <a:noFill/>
+        </p:spPr>
+        <p:txBody>
+          <a:bodyPr wrap="square" rtlCol="0">
+            <a:spAutoFit/>
+          </a:bodyPr>
+          <a:lstStyle/>
+          <a:p>
+            <a:pPr marL="628650" lvl="1" indent="-171450">
+              <a:lnSpc>
+                <a:spcPct val="200000"/>
+              </a:lnSpc>
+              <a:buFont typeface="Arial" panose="020B0604020202020204" pitchFamily="34" charset="0"/>
+              <a:buChar char="•"/>
+            </a:pPr>
+            <a:r>
+              <a:rPr lang="en-US" sz="900" dirty="0">
+                <a:latin typeface="Trebuchet MS" panose="020B0603020202020204" pitchFamily="34" charset="0"/>
+              </a:rPr>
+              <a:t>Six enemies. Defeat them.</a:t>
+            </a:r>
+          </a:p>
+          <a:p>
+            <a:pPr marL="628650" lvl="1" indent="-171450">
+              <a:lnSpc>
+                <a:spcPct val="200000"/>
+              </a:lnSpc>
+              <a:buFont typeface="Arial" panose="020B0604020202020204" pitchFamily="34" charset="0"/>
+              <a:buChar char="•"/>
+            </a:pPr>
+            <a:r>
+              <a:rPr lang="en-US" sz="900" dirty="0">
+                <a:latin typeface="Trebuchet MS" panose="020B0603020202020204" pitchFamily="34" charset="0"/>
+              </a:rPr>
+              <a:t>Make your way to the push block puzzle.</a:t>
+            </a:r>
+          </a:p>
+          <a:p>
+            <a:pPr marL="628650" lvl="1" indent="-171450">
+              <a:lnSpc>
+                <a:spcPct val="200000"/>
+              </a:lnSpc>
+              <a:buFont typeface="Arial" panose="020B0604020202020204" pitchFamily="34" charset="0"/>
+              <a:buChar char="•"/>
+            </a:pPr>
+            <a:r>
+              <a:rPr lang="en-US" sz="900" dirty="0">
+                <a:latin typeface="Trebuchet MS" panose="020B0603020202020204" pitchFamily="34" charset="0"/>
+              </a:rPr>
+              <a:t>Push the blocks out of the way to make a path to the trigger and key.</a:t>
+            </a:r>
+          </a:p>
+          <a:p>
+            <a:pPr marL="628650" lvl="1" indent="-171450">
+              <a:lnSpc>
+                <a:spcPct val="200000"/>
+              </a:lnSpc>
+              <a:buFont typeface="Arial" panose="020B0604020202020204" pitchFamily="34" charset="0"/>
+              <a:buChar char="•"/>
+            </a:pPr>
+            <a:r>
+              <a:rPr lang="en-US" sz="900" dirty="0">
+                <a:latin typeface="Trebuchet MS" panose="020B0603020202020204" pitchFamily="34" charset="0"/>
+              </a:rPr>
+              <a:t>Certain blocks do not move. Make sure you push the right blocks in the right direction so you don’t get stuck. </a:t>
+            </a:r>
+          </a:p>
+          <a:p>
+            <a:pPr lvl="1">
+              <a:lnSpc>
+                <a:spcPct val="200000"/>
+              </a:lnSpc>
+            </a:pPr>
+            <a:endParaRPr lang="en-US" sz="1000" dirty="0">
+              <a:latin typeface="Trebuchet MS" panose="020B0603020202020204" pitchFamily="34" charset="0"/>
+            </a:endParaRPr>
+          </a:p>
+          <a:p>
+            <a:pPr lvl="1">
+              <a:lnSpc>
+                <a:spcPct val="200000"/>
+              </a:lnSpc>
+            </a:pPr>
+            <a:endParaRPr lang="en-US" sz="1000" dirty="0">
+              <a:latin typeface="Trebuchet MS" panose="020B0603020202020204" pitchFamily="34" charset="0"/>
+            </a:endParaRPr>
+          </a:p>
+        </p:txBody>
+      </p:sp>
     </p:spTree>
     <p:extLst>
       <p:ext uri="{BB962C8B-B14F-4D97-AF65-F5344CB8AC3E}">
@@ -10130,13 +11812,13 @@
   <p:clrMapOvr>
     <a:masterClrMapping/>
   </p:clrMapOvr>
-  <mc:AlternateContent xmlns:mc="http://schemas.openxmlformats.org/markup-compatibility/2006">
-    <mc:Choice xmlns:p14="http://schemas.microsoft.com/office/powerpoint/2010/main" Requires="p14">
+  <mc:AlternateContent xmlns:mc="http://schemas.openxmlformats.org/markup-compatibility/2006" xmlns:p14="http://schemas.microsoft.com/office/powerpoint/2010/main">
+    <mc:Choice Requires="p14">
       <p:transition spd="med" p14:dur="700">
         <p:fade/>
       </p:transition>
     </mc:Choice>
-    <mc:Fallback>
+    <mc:Fallback xmlns="">
       <p:transition spd="med">
         <p:fade/>
       </p:transition>
@@ -10145,7 +11827,7 @@
 </p:sld>
 </file>
 
-<file path=ppt/slides/slide7.xml><?xml version="1.0" encoding="utf-8"?>
+<file path=ppt/slides/slide8.xml><?xml version="1.0" encoding="utf-8"?>
 <p:sld xmlns:a="http://schemas.openxmlformats.org/drawingml/2006/main" xmlns:r="http://schemas.openxmlformats.org/officeDocument/2006/relationships" xmlns:p="http://schemas.openxmlformats.org/presentationml/2006/main">
   <p:cSld>
     <p:spTree>
@@ -10263,7 +11945,7 @@
         </p:blipFill>
         <p:spPr>
           <a:xfrm>
-            <a:off x="4794250" y="752336"/>
+            <a:off x="3670300" y="816787"/>
             <a:ext cx="4851400" cy="5501588"/>
           </a:xfrm>
           <a:prstGeom prst="rect">
@@ -10301,6 +11983,80 @@
           </a:sp3d>
         </p:spPr>
       </p:pic>
+      <p:sp>
+        <p:nvSpPr>
+          <p:cNvPr id="5" name="TextBox 4">
+            <a:extLst>
+              <a:ext uri="{FF2B5EF4-FFF2-40B4-BE49-F238E27FC236}">
+                <a16:creationId xmlns:a16="http://schemas.microsoft.com/office/drawing/2014/main" id="{11D9B81E-C314-42D1-8F1B-6327F4304A06}"/>
+              </a:ext>
+            </a:extLst>
+          </p:cNvPr>
+          <p:cNvSpPr txBox="1"/>
+          <p:nvPr/>
+        </p:nvSpPr>
+        <p:spPr>
+          <a:xfrm>
+            <a:off x="8320906" y="3429000"/>
+            <a:ext cx="3244038" cy="2199256"/>
+          </a:xfrm>
+          <a:prstGeom prst="rect">
+            <a:avLst/>
+          </a:prstGeom>
+          <a:noFill/>
+        </p:spPr>
+        <p:txBody>
+          <a:bodyPr wrap="square" rtlCol="0">
+            <a:spAutoFit/>
+          </a:bodyPr>
+          <a:lstStyle/>
+          <a:p>
+            <a:pPr marL="628650" lvl="1" indent="-171450">
+              <a:lnSpc>
+                <a:spcPct val="200000"/>
+              </a:lnSpc>
+              <a:buFont typeface="Arial" panose="020B0604020202020204" pitchFamily="34" charset="0"/>
+              <a:buChar char="•"/>
+            </a:pPr>
+            <a:r>
+              <a:rPr lang="en-US" sz="1000" dirty="0">
+                <a:latin typeface="Trebuchet MS" panose="020B0603020202020204" pitchFamily="34" charset="0"/>
+              </a:rPr>
+              <a:t>Seven enemies at start. More spawn. Tough enemy appears. </a:t>
+            </a:r>
+          </a:p>
+          <a:p>
+            <a:pPr marL="628650" lvl="1" indent="-171450">
+              <a:lnSpc>
+                <a:spcPct val="200000"/>
+              </a:lnSpc>
+              <a:buFont typeface="Arial" panose="020B0604020202020204" pitchFamily="34" charset="0"/>
+              <a:buChar char="•"/>
+            </a:pPr>
+            <a:r>
+              <a:rPr lang="en-US" sz="1000" dirty="0">
+                <a:latin typeface="Trebuchet MS" panose="020B0603020202020204" pitchFamily="34" charset="0"/>
+              </a:rPr>
+              <a:t>After you defeat the enemies, the grapple upgrade will appear.</a:t>
+            </a:r>
+          </a:p>
+          <a:p>
+            <a:pPr marL="628650" lvl="1" indent="-171450">
+              <a:lnSpc>
+                <a:spcPct val="200000"/>
+              </a:lnSpc>
+              <a:buFont typeface="Arial" panose="020B0604020202020204" pitchFamily="34" charset="0"/>
+              <a:buChar char="•"/>
+            </a:pPr>
+            <a:r>
+              <a:rPr lang="en-US" sz="1000" dirty="0">
+                <a:latin typeface="Trebuchet MS" panose="020B0603020202020204" pitchFamily="34" charset="0"/>
+              </a:rPr>
+              <a:t>Collect the grapple upgrade and practice by grappling to pillars along the path to the next area.</a:t>
+            </a:r>
+          </a:p>
+        </p:txBody>
+      </p:sp>
     </p:spTree>
     <p:extLst>
       <p:ext uri="{BB962C8B-B14F-4D97-AF65-F5344CB8AC3E}">
@@ -10311,13 +12067,13 @@
   <p:clrMapOvr>
     <a:masterClrMapping/>
   </p:clrMapOvr>
-  <mc:AlternateContent xmlns:mc="http://schemas.openxmlformats.org/markup-compatibility/2006">
-    <mc:Choice xmlns:p14="http://schemas.microsoft.com/office/powerpoint/2010/main" Requires="p14">
+  <mc:AlternateContent xmlns:mc="http://schemas.openxmlformats.org/markup-compatibility/2006" xmlns:p14="http://schemas.microsoft.com/office/powerpoint/2010/main">
+    <mc:Choice Requires="p14">
       <p:transition spd="med" p14:dur="700">
         <p:fade/>
       </p:transition>
     </mc:Choice>
-    <mc:Fallback>
+    <mc:Fallback xmlns="">
       <p:transition spd="med">
         <p:fade/>
       </p:transition>
@@ -10326,9 +12082,35 @@
 </p:sld>
 </file>
 
-<file path=ppt/slides/slide8.xml><?xml version="1.0" encoding="utf-8"?>
+<file path=ppt/slides/slide9.xml><?xml version="1.0" encoding="utf-8"?>
 <p:sld xmlns:a="http://schemas.openxmlformats.org/drawingml/2006/main" xmlns:r="http://schemas.openxmlformats.org/officeDocument/2006/relationships" xmlns:p="http://schemas.openxmlformats.org/presentationml/2006/main">
   <p:cSld>
+    <p:bg>
+      <p:bgPr>
+        <a:gradFill rotWithShape="1">
+          <a:gsLst>
+            <a:gs pos="0">
+              <a:schemeClr val="bg1">
+                <a:tint val="90000"/>
+                <a:shade val="96000"/>
+                <a:hueMod val="100000"/>
+                <a:satMod val="180000"/>
+                <a:lumMod val="110000"/>
+              </a:schemeClr>
+            </a:gs>
+            <a:gs pos="100000">
+              <a:schemeClr val="bg1">
+                <a:shade val="96000"/>
+                <a:satMod val="160000"/>
+                <a:lumMod val="100000"/>
+              </a:schemeClr>
+            </a:gs>
+          </a:gsLst>
+          <a:lin ang="4740000" scaled="1"/>
+        </a:gradFill>
+        <a:effectLst/>
+      </p:bgPr>
+    </p:bg>
     <p:spTree>
       <p:nvGrpSpPr>
         <p:cNvPr id="1" name=""/>
@@ -10343,49 +12125,137 @@
           <a:chExt cx="0" cy="0"/>
         </a:xfrm>
       </p:grpSpPr>
-      <p:sp>
-        <p:nvSpPr>
-          <p:cNvPr id="4" name="TextBox 3">
+      <p:sp useBgFill="1">
+        <p:nvSpPr>
+          <p:cNvPr id="8" name="Rectangle 7">
             <a:extLst>
               <a:ext uri="{FF2B5EF4-FFF2-40B4-BE49-F238E27FC236}">
-                <a16:creationId xmlns:a16="http://schemas.microsoft.com/office/drawing/2014/main" id="{2FF6A9ED-5B0E-4B9C-832F-9C607B7F37F0}"/>
+                <a16:creationId xmlns:a16="http://schemas.microsoft.com/office/drawing/2014/main" id="{E0E174D7-A74C-4845-B4E2-D161F9C68F73}"/>
+              </a:ext>
+              <a:ext uri="{C183D7F6-B498-43B3-948B-1728B52AA6E4}">
+                <adec:decorative xmlns:adec="http://schemas.microsoft.com/office/drawing/2017/decorative" val="1"/>
               </a:ext>
             </a:extLst>
           </p:cNvPr>
-          <p:cNvSpPr txBox="1"/>
-          <p:nvPr/>
+          <p:cNvSpPr>
+            <a:spLocks noGrp="1" noRot="1" noChangeAspect="1" noMove="1" noResize="1" noEditPoints="1" noAdjustHandles="1" noChangeArrowheads="1" noChangeShapeType="1" noTextEdit="1"/>
+          </p:cNvSpPr>
+          <p:nvPr>
+            <p:extLst>
+              <p:ext uri="{386F3935-93C4-4BCD-93E2-E3B085C9AB24}">
+                <p16:designElem xmlns:p16="http://schemas.microsoft.com/office/powerpoint/2015/main" val="1"/>
+              </p:ext>
+            </p:extLst>
+          </p:nvPr>
         </p:nvSpPr>
         <p:spPr>
           <a:xfrm>
-            <a:off x="2546350" y="44450"/>
-            <a:ext cx="5168900" cy="707886"/>
+            <a:off x="0" y="0"/>
+            <a:ext cx="12192000" cy="6858000"/>
           </a:xfrm>
           <a:prstGeom prst="rect">
             <a:avLst/>
           </a:prstGeom>
-          <a:noFill/>
+          <a:ln>
+            <a:noFill/>
+          </a:ln>
         </p:spPr>
-        <p:txBody>
-          <a:bodyPr wrap="square" rtlCol="0">
-            <a:spAutoFit/>
-          </a:bodyPr>
+        <p:style>
+          <a:lnRef idx="2">
+            <a:schemeClr val="accent1">
+              <a:shade val="50000"/>
+            </a:schemeClr>
+          </a:lnRef>
+          <a:fillRef idx="1">
+            <a:schemeClr val="accent1"/>
+          </a:fillRef>
+          <a:effectRef idx="0">
+            <a:schemeClr val="accent1"/>
+          </a:effectRef>
+          <a:fontRef idx="minor">
+            <a:schemeClr val="lt1"/>
+          </a:fontRef>
+        </p:style>
+        <p:txBody>
+          <a:bodyPr rtlCol="0" anchor="ctr"/>
           <a:lstStyle/>
           <a:p>
-            <a:r>
-              <a:rPr lang="en-US" sz="4000" dirty="0">
-                <a:latin typeface="Acier BAT Text Noir" panose="02000000000000000000" pitchFamily="50" charset="0"/>
-              </a:rPr>
-              <a:t>Mini Boss – Third Key</a:t>
-            </a:r>
+            <a:pPr algn="ctr"/>
+            <a:endParaRPr lang="en-US"/>
+          </a:p>
+        </p:txBody>
+      </p:sp>
+      <p:sp>
+        <p:nvSpPr>
+          <p:cNvPr id="10" name="Rectangle 9">
+            <a:extLst>
+              <a:ext uri="{FF2B5EF4-FFF2-40B4-BE49-F238E27FC236}">
+                <a16:creationId xmlns:a16="http://schemas.microsoft.com/office/drawing/2014/main" id="{512F2985-810C-4ABC-9993-5D7821EE76B6}"/>
+              </a:ext>
+              <a:ext uri="{C183D7F6-B498-43B3-948B-1728B52AA6E4}">
+                <adec:decorative xmlns:adec="http://schemas.microsoft.com/office/drawing/2017/decorative" val="1"/>
+              </a:ext>
+            </a:extLst>
+          </p:cNvPr>
+          <p:cNvSpPr>
+            <a:spLocks noGrp="1" noRot="1" noChangeAspect="1" noMove="1" noResize="1" noEditPoints="1" noAdjustHandles="1" noChangeArrowheads="1" noChangeShapeType="1" noTextEdit="1"/>
+          </p:cNvSpPr>
+          <p:nvPr>
+            <p:extLst>
+              <p:ext uri="{386F3935-93C4-4BCD-93E2-E3B085C9AB24}">
+                <p16:designElem xmlns:p16="http://schemas.microsoft.com/office/powerpoint/2015/main" val="1"/>
+              </p:ext>
+            </p:extLst>
+          </p:nvPr>
+        </p:nvSpPr>
+        <p:spPr>
+          <a:xfrm>
+            <a:off x="477012" y="480060"/>
+            <a:ext cx="11237976" cy="5897880"/>
+          </a:xfrm>
+          <a:prstGeom prst="rect">
+            <a:avLst/>
+          </a:prstGeom>
+          <a:solidFill>
+            <a:schemeClr val="tx1"/>
+          </a:solidFill>
+          <a:ln>
+            <a:solidFill>
+              <a:srgbClr val="FFFFFF"/>
+            </a:solidFill>
+          </a:ln>
+        </p:spPr>
+        <p:style>
+          <a:lnRef idx="2">
+            <a:schemeClr val="accent1">
+              <a:shade val="50000"/>
+            </a:schemeClr>
+          </a:lnRef>
+          <a:fillRef idx="1">
+            <a:schemeClr val="accent1"/>
+          </a:fillRef>
+          <a:effectRef idx="0">
+            <a:schemeClr val="accent1"/>
+          </a:effectRef>
+          <a:fontRef idx="minor">
+            <a:schemeClr val="lt1"/>
+          </a:fontRef>
+        </p:style>
+        <p:txBody>
+          <a:bodyPr rtlCol="0" anchor="ctr"/>
+          <a:lstStyle/>
+          <a:p>
+            <a:pPr algn="ctr"/>
+            <a:endParaRPr lang="en-US"/>
           </a:p>
         </p:txBody>
       </p:sp>
       <p:pic>
         <p:nvPicPr>
-          <p:cNvPr id="6" name="Picture 5" descr="A screenshot of a cell phone&#10;&#10;Description automatically generated">
+          <p:cNvPr id="3" name="Picture 2" descr="A picture containing sitting, computer, laptop, woman&#10;&#10;Description automatically generated">
             <a:extLst>
               <a:ext uri="{FF2B5EF4-FFF2-40B4-BE49-F238E27FC236}">
-                <a16:creationId xmlns:a16="http://schemas.microsoft.com/office/drawing/2014/main" id="{EFDEC2DE-E0A7-42C5-9EC0-9CAC0AFE4BAB}"/>
+                <a16:creationId xmlns:a16="http://schemas.microsoft.com/office/drawing/2014/main" id="{E843EAB9-E372-4034-B77A-A79FF2CAC9CB}"/>
               </a:ext>
             </a:extLst>
           </p:cNvPr>
@@ -10408,278 +12278,31 @@
         </p:blipFill>
         <p:spPr>
           <a:xfrm>
-            <a:off x="0" y="0"/>
-            <a:ext cx="2328816" cy="6858000"/>
+            <a:off x="867726" y="801793"/>
+            <a:ext cx="10456547" cy="5254414"/>
           </a:xfrm>
           <a:prstGeom prst="rect">
             <a:avLst/>
           </a:prstGeom>
         </p:spPr>
       </p:pic>
-      <p:pic>
-        <p:nvPicPr>
-          <p:cNvPr id="5" name="Picture 4" descr="A screenshot of a computer&#10;&#10;Description automatically generated">
-            <a:extLst>
-              <a:ext uri="{FF2B5EF4-FFF2-40B4-BE49-F238E27FC236}">
-                <a16:creationId xmlns:a16="http://schemas.microsoft.com/office/drawing/2014/main" id="{1FAFF4B1-0A60-4E4D-B301-F9F9A1400901}"/>
-              </a:ext>
-            </a:extLst>
-          </p:cNvPr>
-          <p:cNvPicPr>
-            <a:picLocks noChangeAspect="1"/>
-          </p:cNvPicPr>
-          <p:nvPr/>
-        </p:nvPicPr>
-        <p:blipFill>
-          <a:blip r:embed="rId3">
-            <a:extLst>
-              <a:ext uri="{28A0092B-C50C-407E-A947-70E740481C1C}">
-                <a14:useLocalDpi xmlns:a14="http://schemas.microsoft.com/office/drawing/2010/main" val="0"/>
-              </a:ext>
-            </a:extLst>
-          </a:blip>
-          <a:stretch>
-            <a:fillRect/>
-          </a:stretch>
-        </p:blipFill>
-        <p:spPr>
-          <a:xfrm>
-            <a:off x="4148137" y="752336"/>
-            <a:ext cx="5610225" cy="5638800"/>
-          </a:xfrm>
-          <a:prstGeom prst="rect">
-            <a:avLst/>
-          </a:prstGeom>
-          <a:solidFill>
-            <a:srgbClr val="FFFFFF">
-              <a:shade val="85000"/>
-            </a:srgbClr>
-          </a:solidFill>
-          <a:ln w="88900" cap="sq">
-            <a:solidFill>
-              <a:srgbClr val="FFFFFF"/>
-            </a:solidFill>
-            <a:miter lim="800000"/>
-          </a:ln>
-          <a:effectLst>
-            <a:outerShdw blurRad="55000" dist="18000" dir="5400000" algn="tl" rotWithShape="0">
-              <a:srgbClr val="000000">
-                <a:alpha val="40000"/>
-              </a:srgbClr>
-            </a:outerShdw>
-          </a:effectLst>
-          <a:scene3d>
-            <a:camera prst="orthographicFront"/>
-            <a:lightRig rig="twoPt" dir="t">
-              <a:rot lat="0" lon="0" rev="7200000"/>
-            </a:lightRig>
-          </a:scene3d>
-          <a:sp3d>
-            <a:bevelT w="25400" h="19050"/>
-            <a:contourClr>
-              <a:srgbClr val="FFFFFF"/>
-            </a:contourClr>
-          </a:sp3d>
-        </p:spPr>
-      </p:pic>
     </p:spTree>
     <p:extLst>
       <p:ext uri="{BB962C8B-B14F-4D97-AF65-F5344CB8AC3E}">
-        <p14:creationId xmlns:p14="http://schemas.microsoft.com/office/powerpoint/2010/main" val="718817575"/>
+        <p14:creationId xmlns:p14="http://schemas.microsoft.com/office/powerpoint/2010/main" val="1932029291"/>
       </p:ext>
     </p:extLst>
   </p:cSld>
   <p:clrMapOvr>
     <a:masterClrMapping/>
   </p:clrMapOvr>
-  <mc:AlternateContent xmlns:mc="http://schemas.openxmlformats.org/markup-compatibility/2006">
-    <mc:Choice xmlns:p14="http://schemas.microsoft.com/office/powerpoint/2010/main" Requires="p14">
+  <mc:AlternateContent xmlns:mc="http://schemas.openxmlformats.org/markup-compatibility/2006" xmlns:p14="http://schemas.microsoft.com/office/powerpoint/2010/main">
+    <mc:Choice Requires="p14">
       <p:transition spd="med" p14:dur="700">
         <p:fade/>
       </p:transition>
     </mc:Choice>
-    <mc:Fallback>
-      <p:transition spd="med">
-        <p:fade/>
-      </p:transition>
-    </mc:Fallback>
-  </mc:AlternateContent>
-</p:sld>
-</file>
-
-<file path=ppt/slides/slide9.xml><?xml version="1.0" encoding="utf-8"?>
-<p:sld xmlns:a="http://schemas.openxmlformats.org/drawingml/2006/main" xmlns:r="http://schemas.openxmlformats.org/officeDocument/2006/relationships" xmlns:p="http://schemas.openxmlformats.org/presentationml/2006/main">
-  <p:cSld>
-    <p:spTree>
-      <p:nvGrpSpPr>
-        <p:cNvPr id="1" name=""/>
-        <p:cNvGrpSpPr/>
-        <p:nvPr/>
-      </p:nvGrpSpPr>
-      <p:grpSpPr>
-        <a:xfrm>
-          <a:off x="0" y="0"/>
-          <a:ext cx="0" cy="0"/>
-          <a:chOff x="0" y="0"/>
-          <a:chExt cx="0" cy="0"/>
-        </a:xfrm>
-      </p:grpSpPr>
-      <p:sp>
-        <p:nvSpPr>
-          <p:cNvPr id="4" name="TextBox 3">
-            <a:extLst>
-              <a:ext uri="{FF2B5EF4-FFF2-40B4-BE49-F238E27FC236}">
-                <a16:creationId xmlns:a16="http://schemas.microsoft.com/office/drawing/2014/main" id="{2FF6A9ED-5B0E-4B9C-832F-9C607B7F37F0}"/>
-              </a:ext>
-            </a:extLst>
-          </p:cNvPr>
-          <p:cNvSpPr txBox="1"/>
-          <p:nvPr/>
-        </p:nvSpPr>
-        <p:spPr>
-          <a:xfrm>
-            <a:off x="2546350" y="44450"/>
-            <a:ext cx="5168900" cy="707886"/>
-          </a:xfrm>
-          <a:prstGeom prst="rect">
-            <a:avLst/>
-          </a:prstGeom>
-          <a:noFill/>
-        </p:spPr>
-        <p:txBody>
-          <a:bodyPr wrap="square" rtlCol="0">
-            <a:spAutoFit/>
-          </a:bodyPr>
-          <a:lstStyle/>
-          <a:p>
-            <a:r>
-              <a:rPr lang="en-US" sz="4000" dirty="0">
-                <a:latin typeface="Acier BAT Text Noir" panose="02000000000000000000" pitchFamily="50" charset="0"/>
-              </a:rPr>
-              <a:t>Fourth Key</a:t>
-            </a:r>
-          </a:p>
-        </p:txBody>
-      </p:sp>
-      <p:pic>
-        <p:nvPicPr>
-          <p:cNvPr id="6" name="Picture 5" descr="A screenshot of a cell phone&#10;&#10;Description automatically generated">
-            <a:extLst>
-              <a:ext uri="{FF2B5EF4-FFF2-40B4-BE49-F238E27FC236}">
-                <a16:creationId xmlns:a16="http://schemas.microsoft.com/office/drawing/2014/main" id="{EFDEC2DE-E0A7-42C5-9EC0-9CAC0AFE4BAB}"/>
-              </a:ext>
-            </a:extLst>
-          </p:cNvPr>
-          <p:cNvPicPr>
-            <a:picLocks noChangeAspect="1"/>
-          </p:cNvPicPr>
-          <p:nvPr/>
-        </p:nvPicPr>
-        <p:blipFill>
-          <a:blip r:embed="rId2">
-            <a:extLst>
-              <a:ext uri="{28A0092B-C50C-407E-A947-70E740481C1C}">
-                <a14:useLocalDpi xmlns:a14="http://schemas.microsoft.com/office/drawing/2010/main" val="0"/>
-              </a:ext>
-            </a:extLst>
-          </a:blip>
-          <a:stretch>
-            <a:fillRect/>
-          </a:stretch>
-        </p:blipFill>
-        <p:spPr>
-          <a:xfrm>
-            <a:off x="0" y="0"/>
-            <a:ext cx="2328816" cy="6858000"/>
-          </a:xfrm>
-          <a:prstGeom prst="rect">
-            <a:avLst/>
-          </a:prstGeom>
-        </p:spPr>
-      </p:pic>
-      <p:pic>
-        <p:nvPicPr>
-          <p:cNvPr id="3" name="Picture 2" descr="A picture containing outdoor, black, light, traffic&#10;&#10;Description automatically generated">
-            <a:extLst>
-              <a:ext uri="{FF2B5EF4-FFF2-40B4-BE49-F238E27FC236}">
-                <a16:creationId xmlns:a16="http://schemas.microsoft.com/office/drawing/2014/main" id="{CFA15240-56F1-45DA-8C08-C251A80E5FA6}"/>
-              </a:ext>
-            </a:extLst>
-          </p:cNvPr>
-          <p:cNvPicPr>
-            <a:picLocks noChangeAspect="1"/>
-          </p:cNvPicPr>
-          <p:nvPr/>
-        </p:nvPicPr>
-        <p:blipFill>
-          <a:blip r:embed="rId3">
-            <a:extLst>
-              <a:ext uri="{28A0092B-C50C-407E-A947-70E740481C1C}">
-                <a14:useLocalDpi xmlns:a14="http://schemas.microsoft.com/office/drawing/2010/main" val="0"/>
-              </a:ext>
-            </a:extLst>
-          </a:blip>
-          <a:stretch>
-            <a:fillRect/>
-          </a:stretch>
-        </p:blipFill>
-        <p:spPr>
-          <a:xfrm>
-            <a:off x="5075238" y="752336"/>
-            <a:ext cx="3820710" cy="5526149"/>
-          </a:xfrm>
-          <a:prstGeom prst="rect">
-            <a:avLst/>
-          </a:prstGeom>
-          <a:solidFill>
-            <a:srgbClr val="FFFFFF">
-              <a:shade val="85000"/>
-            </a:srgbClr>
-          </a:solidFill>
-          <a:ln w="88900" cap="sq">
-            <a:solidFill>
-              <a:srgbClr val="FFFFFF"/>
-            </a:solidFill>
-            <a:miter lim="800000"/>
-          </a:ln>
-          <a:effectLst>
-            <a:outerShdw blurRad="55000" dist="18000" dir="5400000" algn="tl" rotWithShape="0">
-              <a:srgbClr val="000000">
-                <a:alpha val="40000"/>
-              </a:srgbClr>
-            </a:outerShdw>
-          </a:effectLst>
-          <a:scene3d>
-            <a:camera prst="orthographicFront"/>
-            <a:lightRig rig="twoPt" dir="t">
-              <a:rot lat="0" lon="0" rev="7200000"/>
-            </a:lightRig>
-          </a:scene3d>
-          <a:sp3d>
-            <a:bevelT w="25400" h="19050"/>
-            <a:contourClr>
-              <a:srgbClr val="FFFFFF"/>
-            </a:contourClr>
-          </a:sp3d>
-        </p:spPr>
-      </p:pic>
-    </p:spTree>
-    <p:extLst>
-      <p:ext uri="{BB962C8B-B14F-4D97-AF65-F5344CB8AC3E}">
-        <p14:creationId xmlns:p14="http://schemas.microsoft.com/office/powerpoint/2010/main" val="3744235567"/>
-      </p:ext>
-    </p:extLst>
-  </p:cSld>
-  <p:clrMapOvr>
-    <a:masterClrMapping/>
-  </p:clrMapOvr>
-  <mc:AlternateContent xmlns:mc="http://schemas.openxmlformats.org/markup-compatibility/2006">
-    <mc:Choice xmlns:p14="http://schemas.microsoft.com/office/powerpoint/2010/main" Requires="p14">
-      <p:transition spd="med" p14:dur="700">
-        <p:fade/>
-      </p:transition>
-    </mc:Choice>
-    <mc:Fallback>
+    <mc:Fallback xmlns="">
       <p:transition spd="med">
         <p:fade/>
       </p:transition>
